--- a/PhyloHerb_botany2021.pptx
+++ b/PhyloHerb_botany2021.pptx
@@ -2,18 +2,20 @@
 <file path=ppt/presentation.xml><?xml version="1.0" encoding="utf-8"?>
 <p:presentation xmlns:a="http://schemas.openxmlformats.org/drawingml/2006/main" xmlns:r="http://schemas.openxmlformats.org/officeDocument/2006/relationships" xmlns:p="http://schemas.openxmlformats.org/presentationml/2006/main" saveSubsetFonts="1" autoCompressPictures="0">
   <p:sldMasterIdLst>
-    <p:sldMasterId id="2147483648" r:id="rId1"/>
+    <p:sldMasterId id="2147483660" r:id="rId1"/>
   </p:sldMasterIdLst>
   <p:sldIdLst>
-    <p:sldId id="256" r:id="rId2"/>
+    <p:sldId id="258" r:id="rId2"/>
+    <p:sldId id="259" r:id="rId3"/>
+    <p:sldId id="256" r:id="rId4"/>
   </p:sldIdLst>
-  <p:sldSz cx="12192000" cy="6858000"/>
+  <p:sldSz cx="9144000" cy="6858000" type="screen4x3"/>
   <p:notesSz cx="6858000" cy="9144000"/>
   <p:defaultTextStyle>
     <a:defPPr>
       <a:defRPr lang="en-US"/>
     </a:defPPr>
-    <a:lvl1pPr marL="0" algn="l" defTabSz="914400" rtl="0" eaLnBrk="1" latinLnBrk="0" hangingPunct="1">
+    <a:lvl1pPr marL="0" algn="l" defTabSz="457200" rtl="0" eaLnBrk="1" latinLnBrk="0" hangingPunct="1">
       <a:defRPr sz="1800" kern="1200">
         <a:solidFill>
           <a:schemeClr val="tx1"/>
@@ -23,7 +25,7 @@
         <a:cs typeface="+mn-cs"/>
       </a:defRPr>
     </a:lvl1pPr>
-    <a:lvl2pPr marL="457200" algn="l" defTabSz="914400" rtl="0" eaLnBrk="1" latinLnBrk="0" hangingPunct="1">
+    <a:lvl2pPr marL="457200" algn="l" defTabSz="457200" rtl="0" eaLnBrk="1" latinLnBrk="0" hangingPunct="1">
       <a:defRPr sz="1800" kern="1200">
         <a:solidFill>
           <a:schemeClr val="tx1"/>
@@ -33,7 +35,7 @@
         <a:cs typeface="+mn-cs"/>
       </a:defRPr>
     </a:lvl2pPr>
-    <a:lvl3pPr marL="914400" algn="l" defTabSz="914400" rtl="0" eaLnBrk="1" latinLnBrk="0" hangingPunct="1">
+    <a:lvl3pPr marL="914400" algn="l" defTabSz="457200" rtl="0" eaLnBrk="1" latinLnBrk="0" hangingPunct="1">
       <a:defRPr sz="1800" kern="1200">
         <a:solidFill>
           <a:schemeClr val="tx1"/>
@@ -43,7 +45,7 @@
         <a:cs typeface="+mn-cs"/>
       </a:defRPr>
     </a:lvl3pPr>
-    <a:lvl4pPr marL="1371600" algn="l" defTabSz="914400" rtl="0" eaLnBrk="1" latinLnBrk="0" hangingPunct="1">
+    <a:lvl4pPr marL="1371600" algn="l" defTabSz="457200" rtl="0" eaLnBrk="1" latinLnBrk="0" hangingPunct="1">
       <a:defRPr sz="1800" kern="1200">
         <a:solidFill>
           <a:schemeClr val="tx1"/>
@@ -53,7 +55,7 @@
         <a:cs typeface="+mn-cs"/>
       </a:defRPr>
     </a:lvl4pPr>
-    <a:lvl5pPr marL="1828800" algn="l" defTabSz="914400" rtl="0" eaLnBrk="1" latinLnBrk="0" hangingPunct="1">
+    <a:lvl5pPr marL="1828800" algn="l" defTabSz="457200" rtl="0" eaLnBrk="1" latinLnBrk="0" hangingPunct="1">
       <a:defRPr sz="1800" kern="1200">
         <a:solidFill>
           <a:schemeClr val="tx1"/>
@@ -63,7 +65,7 @@
         <a:cs typeface="+mn-cs"/>
       </a:defRPr>
     </a:lvl5pPr>
-    <a:lvl6pPr marL="2286000" algn="l" defTabSz="914400" rtl="0" eaLnBrk="1" latinLnBrk="0" hangingPunct="1">
+    <a:lvl6pPr marL="2286000" algn="l" defTabSz="457200" rtl="0" eaLnBrk="1" latinLnBrk="0" hangingPunct="1">
       <a:defRPr sz="1800" kern="1200">
         <a:solidFill>
           <a:schemeClr val="tx1"/>
@@ -73,7 +75,7 @@
         <a:cs typeface="+mn-cs"/>
       </a:defRPr>
     </a:lvl6pPr>
-    <a:lvl7pPr marL="2743200" algn="l" defTabSz="914400" rtl="0" eaLnBrk="1" latinLnBrk="0" hangingPunct="1">
+    <a:lvl7pPr marL="2743200" algn="l" defTabSz="457200" rtl="0" eaLnBrk="1" latinLnBrk="0" hangingPunct="1">
       <a:defRPr sz="1800" kern="1200">
         <a:solidFill>
           <a:schemeClr val="tx1"/>
@@ -83,7 +85,7 @@
         <a:cs typeface="+mn-cs"/>
       </a:defRPr>
     </a:lvl7pPr>
-    <a:lvl8pPr marL="3200400" algn="l" defTabSz="914400" rtl="0" eaLnBrk="1" latinLnBrk="0" hangingPunct="1">
+    <a:lvl8pPr marL="3200400" algn="l" defTabSz="457200" rtl="0" eaLnBrk="1" latinLnBrk="0" hangingPunct="1">
       <a:defRPr sz="1800" kern="1200">
         <a:solidFill>
           <a:schemeClr val="tx1"/>
@@ -93,7 +95,7 @@
         <a:cs typeface="+mn-cs"/>
       </a:defRPr>
     </a:lvl8pPr>
-    <a:lvl9pPr marL="3657600" algn="l" defTabSz="914400" rtl="0" eaLnBrk="1" latinLnBrk="0" hangingPunct="1">
+    <a:lvl9pPr marL="3657600" algn="l" defTabSz="457200" rtl="0" eaLnBrk="1" latinLnBrk="0" hangingPunct="1">
       <a:defRPr sz="1800" kern="1200">
         <a:solidFill>
           <a:schemeClr val="tx1"/>
@@ -104,6 +106,11 @@
       </a:defRPr>
     </a:lvl9pPr>
   </p:defaultTextStyle>
+  <p:extLst>
+    <p:ext uri="{EFAFB233-063F-42B5-8137-9DF3F51BA10A}">
+      <p15:sldGuideLst xmlns:p15="http://schemas.microsoft.com/office/powerpoint/2012/main"/>
+    </p:ext>
+  </p:extLst>
 </p:presentation>
 </file>
 
@@ -126,13 +133,7 @@
       </p:grpSpPr>
       <p:sp>
         <p:nvSpPr>
-          <p:cNvPr id="2" name="Title 1">
-            <a:extLst>
-              <a:ext uri="{FF2B5EF4-FFF2-40B4-BE49-F238E27FC236}">
-                <a16:creationId xmlns:a16="http://schemas.microsoft.com/office/drawing/2014/main" id="{E52AD21A-767D-914E-8DB8-B89DAC65A809}"/>
-              </a:ext>
-            </a:extLst>
-          </p:cNvPr>
+          <p:cNvPr id="2" name="Title 1"/>
           <p:cNvSpPr>
             <a:spLocks noGrp="1"/>
           </p:cNvSpPr>
@@ -142,8 +143,8 @@
         </p:nvSpPr>
         <p:spPr>
           <a:xfrm>
-            <a:off x="1524000" y="1122363"/>
-            <a:ext cx="9144000" cy="2387600"/>
+            <a:off x="685800" y="1122363"/>
+            <a:ext cx="7772400" cy="2387600"/>
           </a:xfrm>
         </p:spPr>
         <p:txBody>
@@ -158,18 +159,13 @@
               <a:rPr lang="en-US"/>
               <a:t>Click to edit Master title style</a:t>
             </a:r>
-          </a:p>
-        </p:txBody>
-      </p:sp>
-      <p:sp>
-        <p:nvSpPr>
-          <p:cNvPr id="3" name="Subtitle 2">
-            <a:extLst>
-              <a:ext uri="{FF2B5EF4-FFF2-40B4-BE49-F238E27FC236}">
-                <a16:creationId xmlns:a16="http://schemas.microsoft.com/office/drawing/2014/main" id="{5266C80C-1065-1344-AD93-EA7E780169B2}"/>
-              </a:ext>
-            </a:extLst>
-          </p:cNvPr>
+            <a:endParaRPr lang="en-US" dirty="0"/>
+          </a:p>
+        </p:txBody>
+      </p:sp>
+      <p:sp>
+        <p:nvSpPr>
+          <p:cNvPr id="3" name="Subtitle 2"/>
           <p:cNvSpPr>
             <a:spLocks noGrp="1"/>
           </p:cNvSpPr>
@@ -179,8 +175,8 @@
         </p:nvSpPr>
         <p:spPr>
           <a:xfrm>
-            <a:off x="1524000" y="3602038"/>
-            <a:ext cx="9144000" cy="1655762"/>
+            <a:off x="1143000" y="3602038"/>
+            <a:ext cx="6858000" cy="1655762"/>
           </a:xfrm>
         </p:spPr>
         <p:txBody>
@@ -228,18 +224,13 @@
               <a:rPr lang="en-US"/>
               <a:t>Click to edit Master subtitle style</a:t>
             </a:r>
-          </a:p>
-        </p:txBody>
-      </p:sp>
-      <p:sp>
-        <p:nvSpPr>
-          <p:cNvPr id="4" name="Date Placeholder 3">
-            <a:extLst>
-              <a:ext uri="{FF2B5EF4-FFF2-40B4-BE49-F238E27FC236}">
-                <a16:creationId xmlns:a16="http://schemas.microsoft.com/office/drawing/2014/main" id="{134F4807-76EE-2144-82A9-2A76DBF20A94}"/>
-              </a:ext>
-            </a:extLst>
-          </p:cNvPr>
+            <a:endParaRPr lang="en-US" dirty="0"/>
+          </a:p>
+        </p:txBody>
+      </p:sp>
+      <p:sp>
+        <p:nvSpPr>
+          <p:cNvPr id="4" name="Date Placeholder 3"/>
           <p:cNvSpPr>
             <a:spLocks noGrp="1"/>
           </p:cNvSpPr>
@@ -254,7 +245,7 @@
           <a:p>
             <a:fld id="{CBA60698-1228-C745-AFDB-F29E203C583A}" type="datetimeFigureOut">
               <a:rPr lang="en-US" smtClean="0"/>
-              <a:t>6/6/21</a:t>
+              <a:t>6/9/21</a:t>
             </a:fld>
             <a:endParaRPr lang="en-US"/>
           </a:p>
@@ -262,13 +253,7 @@
       </p:sp>
       <p:sp>
         <p:nvSpPr>
-          <p:cNvPr id="5" name="Footer Placeholder 4">
-            <a:extLst>
-              <a:ext uri="{FF2B5EF4-FFF2-40B4-BE49-F238E27FC236}">
-                <a16:creationId xmlns:a16="http://schemas.microsoft.com/office/drawing/2014/main" id="{96628486-6263-0446-9452-F1B9A950E31A}"/>
-              </a:ext>
-            </a:extLst>
-          </p:cNvPr>
+          <p:cNvPr id="5" name="Footer Placeholder 4"/>
           <p:cNvSpPr>
             <a:spLocks noGrp="1"/>
           </p:cNvSpPr>
@@ -287,13 +272,7 @@
       </p:sp>
       <p:sp>
         <p:nvSpPr>
-          <p:cNvPr id="6" name="Slide Number Placeholder 5">
-            <a:extLst>
-              <a:ext uri="{FF2B5EF4-FFF2-40B4-BE49-F238E27FC236}">
-                <a16:creationId xmlns:a16="http://schemas.microsoft.com/office/drawing/2014/main" id="{E1C46219-591A-664F-942B-86DB02279526}"/>
-              </a:ext>
-            </a:extLst>
-          </p:cNvPr>
+          <p:cNvPr id="6" name="Slide Number Placeholder 5"/>
           <p:cNvSpPr>
             <a:spLocks noGrp="1"/>
           </p:cNvSpPr>
@@ -317,7 +296,7 @@
     </p:spTree>
     <p:extLst>
       <p:ext uri="{BB962C8B-B14F-4D97-AF65-F5344CB8AC3E}">
-        <p14:creationId xmlns:p14="http://schemas.microsoft.com/office/powerpoint/2010/main" val="1827807874"/>
+        <p14:creationId xmlns:p14="http://schemas.microsoft.com/office/powerpoint/2010/main" val="743416756"/>
       </p:ext>
     </p:extLst>
   </p:cSld>
@@ -346,13 +325,7 @@
       </p:grpSpPr>
       <p:sp>
         <p:nvSpPr>
-          <p:cNvPr id="2" name="Title 1">
-            <a:extLst>
-              <a:ext uri="{FF2B5EF4-FFF2-40B4-BE49-F238E27FC236}">
-                <a16:creationId xmlns:a16="http://schemas.microsoft.com/office/drawing/2014/main" id="{58E40C4A-D9E5-AB45-A2DA-469992AE5ABF}"/>
-              </a:ext>
-            </a:extLst>
-          </p:cNvPr>
+          <p:cNvPr id="2" name="Title 1"/>
           <p:cNvSpPr>
             <a:spLocks noGrp="1"/>
           </p:cNvSpPr>
@@ -369,18 +342,13 @@
               <a:rPr lang="en-US"/>
               <a:t>Click to edit Master title style</a:t>
             </a:r>
-          </a:p>
-        </p:txBody>
-      </p:sp>
-      <p:sp>
-        <p:nvSpPr>
-          <p:cNvPr id="3" name="Vertical Text Placeholder 2">
-            <a:extLst>
-              <a:ext uri="{FF2B5EF4-FFF2-40B4-BE49-F238E27FC236}">
-                <a16:creationId xmlns:a16="http://schemas.microsoft.com/office/drawing/2014/main" id="{19468733-8FAC-374E-BF9D-23FD0E353858}"/>
-              </a:ext>
-            </a:extLst>
-          </p:cNvPr>
+            <a:endParaRPr lang="en-US" dirty="0"/>
+          </a:p>
+        </p:txBody>
+      </p:sp>
+      <p:sp>
+        <p:nvSpPr>
+          <p:cNvPr id="3" name="Vertical Text Placeholder 2"/>
           <p:cNvSpPr>
             <a:spLocks noGrp="1"/>
           </p:cNvSpPr>
@@ -426,18 +394,13 @@
               <a:rPr lang="en-US"/>
               <a:t>Fifth level</a:t>
             </a:r>
-          </a:p>
-        </p:txBody>
-      </p:sp>
-      <p:sp>
-        <p:nvSpPr>
-          <p:cNvPr id="4" name="Date Placeholder 3">
-            <a:extLst>
-              <a:ext uri="{FF2B5EF4-FFF2-40B4-BE49-F238E27FC236}">
-                <a16:creationId xmlns:a16="http://schemas.microsoft.com/office/drawing/2014/main" id="{1E165B69-595F-174A-9D0D-D7C6D7584D64}"/>
-              </a:ext>
-            </a:extLst>
-          </p:cNvPr>
+            <a:endParaRPr lang="en-US" dirty="0"/>
+          </a:p>
+        </p:txBody>
+      </p:sp>
+      <p:sp>
+        <p:nvSpPr>
+          <p:cNvPr id="4" name="Date Placeholder 3"/>
           <p:cNvSpPr>
             <a:spLocks noGrp="1"/>
           </p:cNvSpPr>
@@ -452,7 +415,7 @@
           <a:p>
             <a:fld id="{CBA60698-1228-C745-AFDB-F29E203C583A}" type="datetimeFigureOut">
               <a:rPr lang="en-US" smtClean="0"/>
-              <a:t>6/6/21</a:t>
+              <a:t>6/9/21</a:t>
             </a:fld>
             <a:endParaRPr lang="en-US"/>
           </a:p>
@@ -460,13 +423,7 @@
       </p:sp>
       <p:sp>
         <p:nvSpPr>
-          <p:cNvPr id="5" name="Footer Placeholder 4">
-            <a:extLst>
-              <a:ext uri="{FF2B5EF4-FFF2-40B4-BE49-F238E27FC236}">
-                <a16:creationId xmlns:a16="http://schemas.microsoft.com/office/drawing/2014/main" id="{CB286819-339F-434E-8581-453D2C50736E}"/>
-              </a:ext>
-            </a:extLst>
-          </p:cNvPr>
+          <p:cNvPr id="5" name="Footer Placeholder 4"/>
           <p:cNvSpPr>
             <a:spLocks noGrp="1"/>
           </p:cNvSpPr>
@@ -485,13 +442,7 @@
       </p:sp>
       <p:sp>
         <p:nvSpPr>
-          <p:cNvPr id="6" name="Slide Number Placeholder 5">
-            <a:extLst>
-              <a:ext uri="{FF2B5EF4-FFF2-40B4-BE49-F238E27FC236}">
-                <a16:creationId xmlns:a16="http://schemas.microsoft.com/office/drawing/2014/main" id="{36F6D5A7-85E9-2B40-ABE2-3F33201BBBD8}"/>
-              </a:ext>
-            </a:extLst>
-          </p:cNvPr>
+          <p:cNvPr id="6" name="Slide Number Placeholder 5"/>
           <p:cNvSpPr>
             <a:spLocks noGrp="1"/>
           </p:cNvSpPr>
@@ -515,7 +466,7 @@
     </p:spTree>
     <p:extLst>
       <p:ext uri="{BB962C8B-B14F-4D97-AF65-F5344CB8AC3E}">
-        <p14:creationId xmlns:p14="http://schemas.microsoft.com/office/powerpoint/2010/main" val="3662340752"/>
+        <p14:creationId xmlns:p14="http://schemas.microsoft.com/office/powerpoint/2010/main" val="1308216343"/>
       </p:ext>
     </p:extLst>
   </p:cSld>
@@ -544,13 +495,7 @@
       </p:grpSpPr>
       <p:sp>
         <p:nvSpPr>
-          <p:cNvPr id="2" name="Vertical Title 1">
-            <a:extLst>
-              <a:ext uri="{FF2B5EF4-FFF2-40B4-BE49-F238E27FC236}">
-                <a16:creationId xmlns:a16="http://schemas.microsoft.com/office/drawing/2014/main" id="{9BEC774C-60EC-9647-925C-4EE3107114E6}"/>
-              </a:ext>
-            </a:extLst>
-          </p:cNvPr>
+          <p:cNvPr id="2" name="Vertical Title 1"/>
           <p:cNvSpPr>
             <a:spLocks noGrp="1"/>
           </p:cNvSpPr>
@@ -560,8 +505,8 @@
         </p:nvSpPr>
         <p:spPr>
           <a:xfrm>
-            <a:off x="8724900" y="365125"/>
-            <a:ext cx="2628900" cy="5811838"/>
+            <a:off x="6543675" y="365125"/>
+            <a:ext cx="1971675" cy="5811838"/>
           </a:xfrm>
         </p:spPr>
         <p:txBody>
@@ -572,18 +517,13 @@
               <a:rPr lang="en-US"/>
               <a:t>Click to edit Master title style</a:t>
             </a:r>
-          </a:p>
-        </p:txBody>
-      </p:sp>
-      <p:sp>
-        <p:nvSpPr>
-          <p:cNvPr id="3" name="Vertical Text Placeholder 2">
-            <a:extLst>
-              <a:ext uri="{FF2B5EF4-FFF2-40B4-BE49-F238E27FC236}">
-                <a16:creationId xmlns:a16="http://schemas.microsoft.com/office/drawing/2014/main" id="{8E06B90F-B976-D843-9D96-147FE86F8CF8}"/>
-              </a:ext>
-            </a:extLst>
-          </p:cNvPr>
+            <a:endParaRPr lang="en-US" dirty="0"/>
+          </a:p>
+        </p:txBody>
+      </p:sp>
+      <p:sp>
+        <p:nvSpPr>
+          <p:cNvPr id="3" name="Vertical Text Placeholder 2"/>
           <p:cNvSpPr>
             <a:spLocks noGrp="1"/>
           </p:cNvSpPr>
@@ -593,8 +533,8 @@
         </p:nvSpPr>
         <p:spPr>
           <a:xfrm>
-            <a:off x="838200" y="365125"/>
-            <a:ext cx="7734300" cy="5811838"/>
+            <a:off x="628650" y="365125"/>
+            <a:ext cx="5800725" cy="5811838"/>
           </a:xfrm>
         </p:spPr>
         <p:txBody>
@@ -634,18 +574,13 @@
               <a:rPr lang="en-US"/>
               <a:t>Fifth level</a:t>
             </a:r>
-          </a:p>
-        </p:txBody>
-      </p:sp>
-      <p:sp>
-        <p:nvSpPr>
-          <p:cNvPr id="4" name="Date Placeholder 3">
-            <a:extLst>
-              <a:ext uri="{FF2B5EF4-FFF2-40B4-BE49-F238E27FC236}">
-                <a16:creationId xmlns:a16="http://schemas.microsoft.com/office/drawing/2014/main" id="{3EF23218-D15D-D043-BF55-73368F986E4E}"/>
-              </a:ext>
-            </a:extLst>
-          </p:cNvPr>
+            <a:endParaRPr lang="en-US" dirty="0"/>
+          </a:p>
+        </p:txBody>
+      </p:sp>
+      <p:sp>
+        <p:nvSpPr>
+          <p:cNvPr id="4" name="Date Placeholder 3"/>
           <p:cNvSpPr>
             <a:spLocks noGrp="1"/>
           </p:cNvSpPr>
@@ -660,7 +595,7 @@
           <a:p>
             <a:fld id="{CBA60698-1228-C745-AFDB-F29E203C583A}" type="datetimeFigureOut">
               <a:rPr lang="en-US" smtClean="0"/>
-              <a:t>6/6/21</a:t>
+              <a:t>6/9/21</a:t>
             </a:fld>
             <a:endParaRPr lang="en-US"/>
           </a:p>
@@ -668,13 +603,7 @@
       </p:sp>
       <p:sp>
         <p:nvSpPr>
-          <p:cNvPr id="5" name="Footer Placeholder 4">
-            <a:extLst>
-              <a:ext uri="{FF2B5EF4-FFF2-40B4-BE49-F238E27FC236}">
-                <a16:creationId xmlns:a16="http://schemas.microsoft.com/office/drawing/2014/main" id="{420E2D8F-FC2B-E84D-A92F-34084F0A09E5}"/>
-              </a:ext>
-            </a:extLst>
-          </p:cNvPr>
+          <p:cNvPr id="5" name="Footer Placeholder 4"/>
           <p:cNvSpPr>
             <a:spLocks noGrp="1"/>
           </p:cNvSpPr>
@@ -693,13 +622,7 @@
       </p:sp>
       <p:sp>
         <p:nvSpPr>
-          <p:cNvPr id="6" name="Slide Number Placeholder 5">
-            <a:extLst>
-              <a:ext uri="{FF2B5EF4-FFF2-40B4-BE49-F238E27FC236}">
-                <a16:creationId xmlns:a16="http://schemas.microsoft.com/office/drawing/2014/main" id="{E5BD5BDC-A449-4544-ADDE-DB6238A22B54}"/>
-              </a:ext>
-            </a:extLst>
-          </p:cNvPr>
+          <p:cNvPr id="6" name="Slide Number Placeholder 5"/>
           <p:cNvSpPr>
             <a:spLocks noGrp="1"/>
           </p:cNvSpPr>
@@ -723,7 +646,7 @@
     </p:spTree>
     <p:extLst>
       <p:ext uri="{BB962C8B-B14F-4D97-AF65-F5344CB8AC3E}">
-        <p14:creationId xmlns:p14="http://schemas.microsoft.com/office/powerpoint/2010/main" val="3308251735"/>
+        <p14:creationId xmlns:p14="http://schemas.microsoft.com/office/powerpoint/2010/main" val="4078362357"/>
       </p:ext>
     </p:extLst>
   </p:cSld>
@@ -752,13 +675,7 @@
       </p:grpSpPr>
       <p:sp>
         <p:nvSpPr>
-          <p:cNvPr id="2" name="Title 1">
-            <a:extLst>
-              <a:ext uri="{FF2B5EF4-FFF2-40B4-BE49-F238E27FC236}">
-                <a16:creationId xmlns:a16="http://schemas.microsoft.com/office/drawing/2014/main" id="{0DCDE8A1-2314-E54E-B160-9D99E2D3EE93}"/>
-              </a:ext>
-            </a:extLst>
-          </p:cNvPr>
+          <p:cNvPr id="2" name="Title 1"/>
           <p:cNvSpPr>
             <a:spLocks noGrp="1"/>
           </p:cNvSpPr>
@@ -775,18 +692,13 @@
               <a:rPr lang="en-US"/>
               <a:t>Click to edit Master title style</a:t>
             </a:r>
-          </a:p>
-        </p:txBody>
-      </p:sp>
-      <p:sp>
-        <p:nvSpPr>
-          <p:cNvPr id="3" name="Content Placeholder 2">
-            <a:extLst>
-              <a:ext uri="{FF2B5EF4-FFF2-40B4-BE49-F238E27FC236}">
-                <a16:creationId xmlns:a16="http://schemas.microsoft.com/office/drawing/2014/main" id="{49DE52D2-1C1A-754A-8796-7AAC19B2D872}"/>
-              </a:ext>
-            </a:extLst>
-          </p:cNvPr>
+            <a:endParaRPr lang="en-US" dirty="0"/>
+          </a:p>
+        </p:txBody>
+      </p:sp>
+      <p:sp>
+        <p:nvSpPr>
+          <p:cNvPr id="3" name="Content Placeholder 2"/>
           <p:cNvSpPr>
             <a:spLocks noGrp="1"/>
           </p:cNvSpPr>
@@ -832,18 +744,13 @@
               <a:rPr lang="en-US"/>
               <a:t>Fifth level</a:t>
             </a:r>
-          </a:p>
-        </p:txBody>
-      </p:sp>
-      <p:sp>
-        <p:nvSpPr>
-          <p:cNvPr id="4" name="Date Placeholder 3">
-            <a:extLst>
-              <a:ext uri="{FF2B5EF4-FFF2-40B4-BE49-F238E27FC236}">
-                <a16:creationId xmlns:a16="http://schemas.microsoft.com/office/drawing/2014/main" id="{1CBF425E-37C8-3247-ACDE-3EF40296A83A}"/>
-              </a:ext>
-            </a:extLst>
-          </p:cNvPr>
+            <a:endParaRPr lang="en-US" dirty="0"/>
+          </a:p>
+        </p:txBody>
+      </p:sp>
+      <p:sp>
+        <p:nvSpPr>
+          <p:cNvPr id="4" name="Date Placeholder 3"/>
           <p:cNvSpPr>
             <a:spLocks noGrp="1"/>
           </p:cNvSpPr>
@@ -858,7 +765,7 @@
           <a:p>
             <a:fld id="{CBA60698-1228-C745-AFDB-F29E203C583A}" type="datetimeFigureOut">
               <a:rPr lang="en-US" smtClean="0"/>
-              <a:t>6/6/21</a:t>
+              <a:t>6/9/21</a:t>
             </a:fld>
             <a:endParaRPr lang="en-US"/>
           </a:p>
@@ -866,13 +773,7 @@
       </p:sp>
       <p:sp>
         <p:nvSpPr>
-          <p:cNvPr id="5" name="Footer Placeholder 4">
-            <a:extLst>
-              <a:ext uri="{FF2B5EF4-FFF2-40B4-BE49-F238E27FC236}">
-                <a16:creationId xmlns:a16="http://schemas.microsoft.com/office/drawing/2014/main" id="{42111DB7-5ED4-FD4E-9EF6-E60A306AC37B}"/>
-              </a:ext>
-            </a:extLst>
-          </p:cNvPr>
+          <p:cNvPr id="5" name="Footer Placeholder 4"/>
           <p:cNvSpPr>
             <a:spLocks noGrp="1"/>
           </p:cNvSpPr>
@@ -891,13 +792,7 @@
       </p:sp>
       <p:sp>
         <p:nvSpPr>
-          <p:cNvPr id="6" name="Slide Number Placeholder 5">
-            <a:extLst>
-              <a:ext uri="{FF2B5EF4-FFF2-40B4-BE49-F238E27FC236}">
-                <a16:creationId xmlns:a16="http://schemas.microsoft.com/office/drawing/2014/main" id="{D80D2A69-7399-0140-AAC3-13D2E2695490}"/>
-              </a:ext>
-            </a:extLst>
-          </p:cNvPr>
+          <p:cNvPr id="6" name="Slide Number Placeholder 5"/>
           <p:cNvSpPr>
             <a:spLocks noGrp="1"/>
           </p:cNvSpPr>
@@ -921,7 +816,7 @@
     </p:spTree>
     <p:extLst>
       <p:ext uri="{BB962C8B-B14F-4D97-AF65-F5344CB8AC3E}">
-        <p14:creationId xmlns:p14="http://schemas.microsoft.com/office/powerpoint/2010/main" val="4283182796"/>
+        <p14:creationId xmlns:p14="http://schemas.microsoft.com/office/powerpoint/2010/main" val="3035787606"/>
       </p:ext>
     </p:extLst>
   </p:cSld>
@@ -950,13 +845,7 @@
       </p:grpSpPr>
       <p:sp>
         <p:nvSpPr>
-          <p:cNvPr id="2" name="Title 1">
-            <a:extLst>
-              <a:ext uri="{FF2B5EF4-FFF2-40B4-BE49-F238E27FC236}">
-                <a16:creationId xmlns:a16="http://schemas.microsoft.com/office/drawing/2014/main" id="{6F676348-7020-CD4B-A743-9798A90D6158}"/>
-              </a:ext>
-            </a:extLst>
-          </p:cNvPr>
+          <p:cNvPr id="2" name="Title 1"/>
           <p:cNvSpPr>
             <a:spLocks noGrp="1"/>
           </p:cNvSpPr>
@@ -966,8 +855,8 @@
         </p:nvSpPr>
         <p:spPr>
           <a:xfrm>
-            <a:off x="831850" y="1709738"/>
-            <a:ext cx="10515600" cy="2852737"/>
+            <a:off x="623888" y="1709739"/>
+            <a:ext cx="7886700" cy="2852737"/>
           </a:xfrm>
         </p:spPr>
         <p:txBody>
@@ -982,18 +871,13 @@
               <a:rPr lang="en-US"/>
               <a:t>Click to edit Master title style</a:t>
             </a:r>
-          </a:p>
-        </p:txBody>
-      </p:sp>
-      <p:sp>
-        <p:nvSpPr>
-          <p:cNvPr id="3" name="Text Placeholder 2">
-            <a:extLst>
-              <a:ext uri="{FF2B5EF4-FFF2-40B4-BE49-F238E27FC236}">
-                <a16:creationId xmlns:a16="http://schemas.microsoft.com/office/drawing/2014/main" id="{E9D70F67-F6EC-DA4C-BD23-7BBB21511990}"/>
-              </a:ext>
-            </a:extLst>
-          </p:cNvPr>
+            <a:endParaRPr lang="en-US" dirty="0"/>
+          </a:p>
+        </p:txBody>
+      </p:sp>
+      <p:sp>
+        <p:nvSpPr>
+          <p:cNvPr id="3" name="Text Placeholder 2"/>
           <p:cNvSpPr>
             <a:spLocks noGrp="1"/>
           </p:cNvSpPr>
@@ -1003,8 +887,8 @@
         </p:nvSpPr>
         <p:spPr>
           <a:xfrm>
-            <a:off x="831850" y="4589463"/>
-            <a:ext cx="10515600" cy="1500187"/>
+            <a:off x="623888" y="4589464"/>
+            <a:ext cx="7886700" cy="1500187"/>
           </a:xfrm>
         </p:spPr>
         <p:txBody>
@@ -1014,9 +898,7 @@
               <a:buNone/>
               <a:defRPr sz="2400">
                 <a:solidFill>
-                  <a:schemeClr val="tx1">
-                    <a:tint val="75000"/>
-                  </a:schemeClr>
+                  <a:schemeClr val="tx1"/>
                 </a:solidFill>
               </a:defRPr>
             </a:lvl1pPr>
@@ -1112,13 +994,7 @@
       </p:sp>
       <p:sp>
         <p:nvSpPr>
-          <p:cNvPr id="4" name="Date Placeholder 3">
-            <a:extLst>
-              <a:ext uri="{FF2B5EF4-FFF2-40B4-BE49-F238E27FC236}">
-                <a16:creationId xmlns:a16="http://schemas.microsoft.com/office/drawing/2014/main" id="{98B930D2-A007-6D4E-83B5-B7C0CB96399D}"/>
-              </a:ext>
-            </a:extLst>
-          </p:cNvPr>
+          <p:cNvPr id="4" name="Date Placeholder 3"/>
           <p:cNvSpPr>
             <a:spLocks noGrp="1"/>
           </p:cNvSpPr>
@@ -1133,7 +1009,7 @@
           <a:p>
             <a:fld id="{CBA60698-1228-C745-AFDB-F29E203C583A}" type="datetimeFigureOut">
               <a:rPr lang="en-US" smtClean="0"/>
-              <a:t>6/6/21</a:t>
+              <a:t>6/9/21</a:t>
             </a:fld>
             <a:endParaRPr lang="en-US"/>
           </a:p>
@@ -1141,13 +1017,7 @@
       </p:sp>
       <p:sp>
         <p:nvSpPr>
-          <p:cNvPr id="5" name="Footer Placeholder 4">
-            <a:extLst>
-              <a:ext uri="{FF2B5EF4-FFF2-40B4-BE49-F238E27FC236}">
-                <a16:creationId xmlns:a16="http://schemas.microsoft.com/office/drawing/2014/main" id="{BD491696-1182-0141-9A05-266B3A01CA3E}"/>
-              </a:ext>
-            </a:extLst>
-          </p:cNvPr>
+          <p:cNvPr id="5" name="Footer Placeholder 4"/>
           <p:cNvSpPr>
             <a:spLocks noGrp="1"/>
           </p:cNvSpPr>
@@ -1166,13 +1036,7 @@
       </p:sp>
       <p:sp>
         <p:nvSpPr>
-          <p:cNvPr id="6" name="Slide Number Placeholder 5">
-            <a:extLst>
-              <a:ext uri="{FF2B5EF4-FFF2-40B4-BE49-F238E27FC236}">
-                <a16:creationId xmlns:a16="http://schemas.microsoft.com/office/drawing/2014/main" id="{37F2E097-9B69-4641-A468-912EF593A045}"/>
-              </a:ext>
-            </a:extLst>
-          </p:cNvPr>
+          <p:cNvPr id="6" name="Slide Number Placeholder 5"/>
           <p:cNvSpPr>
             <a:spLocks noGrp="1"/>
           </p:cNvSpPr>
@@ -1196,7 +1060,7 @@
     </p:spTree>
     <p:extLst>
       <p:ext uri="{BB962C8B-B14F-4D97-AF65-F5344CB8AC3E}">
-        <p14:creationId xmlns:p14="http://schemas.microsoft.com/office/powerpoint/2010/main" val="3560719716"/>
+        <p14:creationId xmlns:p14="http://schemas.microsoft.com/office/powerpoint/2010/main" val="1910579880"/>
       </p:ext>
     </p:extLst>
   </p:cSld>
@@ -1225,13 +1089,7 @@
       </p:grpSpPr>
       <p:sp>
         <p:nvSpPr>
-          <p:cNvPr id="2" name="Title 1">
-            <a:extLst>
-              <a:ext uri="{FF2B5EF4-FFF2-40B4-BE49-F238E27FC236}">
-                <a16:creationId xmlns:a16="http://schemas.microsoft.com/office/drawing/2014/main" id="{BBF55DAE-9EC0-DB4A-8F63-367462D45C8E}"/>
-              </a:ext>
-            </a:extLst>
-          </p:cNvPr>
+          <p:cNvPr id="2" name="Title 1"/>
           <p:cNvSpPr>
             <a:spLocks noGrp="1"/>
           </p:cNvSpPr>
@@ -1248,18 +1106,13 @@
               <a:rPr lang="en-US"/>
               <a:t>Click to edit Master title style</a:t>
             </a:r>
-          </a:p>
-        </p:txBody>
-      </p:sp>
-      <p:sp>
-        <p:nvSpPr>
-          <p:cNvPr id="3" name="Content Placeholder 2">
-            <a:extLst>
-              <a:ext uri="{FF2B5EF4-FFF2-40B4-BE49-F238E27FC236}">
-                <a16:creationId xmlns:a16="http://schemas.microsoft.com/office/drawing/2014/main" id="{A626DE1E-955B-404D-8E97-C32B2E6CE418}"/>
-              </a:ext>
-            </a:extLst>
-          </p:cNvPr>
+            <a:endParaRPr lang="en-US" dirty="0"/>
+          </a:p>
+        </p:txBody>
+      </p:sp>
+      <p:sp>
+        <p:nvSpPr>
+          <p:cNvPr id="3" name="Content Placeholder 2"/>
           <p:cNvSpPr>
             <a:spLocks noGrp="1"/>
           </p:cNvSpPr>
@@ -1269,8 +1122,8 @@
         </p:nvSpPr>
         <p:spPr>
           <a:xfrm>
-            <a:off x="838200" y="1825625"/>
-            <a:ext cx="5181600" cy="4351338"/>
+            <a:off x="628650" y="1825625"/>
+            <a:ext cx="3886200" cy="4351338"/>
           </a:xfrm>
         </p:spPr>
         <p:txBody>
@@ -1310,18 +1163,13 @@
               <a:rPr lang="en-US"/>
               <a:t>Fifth level</a:t>
             </a:r>
-          </a:p>
-        </p:txBody>
-      </p:sp>
-      <p:sp>
-        <p:nvSpPr>
-          <p:cNvPr id="4" name="Content Placeholder 3">
-            <a:extLst>
-              <a:ext uri="{FF2B5EF4-FFF2-40B4-BE49-F238E27FC236}">
-                <a16:creationId xmlns:a16="http://schemas.microsoft.com/office/drawing/2014/main" id="{F4B641A7-1089-4547-9134-41EBC812D9D0}"/>
-              </a:ext>
-            </a:extLst>
-          </p:cNvPr>
+            <a:endParaRPr lang="en-US" dirty="0"/>
+          </a:p>
+        </p:txBody>
+      </p:sp>
+      <p:sp>
+        <p:nvSpPr>
+          <p:cNvPr id="4" name="Content Placeholder 3"/>
           <p:cNvSpPr>
             <a:spLocks noGrp="1"/>
           </p:cNvSpPr>
@@ -1331,8 +1179,8 @@
         </p:nvSpPr>
         <p:spPr>
           <a:xfrm>
-            <a:off x="6172200" y="1825625"/>
-            <a:ext cx="5181600" cy="4351338"/>
+            <a:off x="4629150" y="1825625"/>
+            <a:ext cx="3886200" cy="4351338"/>
           </a:xfrm>
         </p:spPr>
         <p:txBody>
@@ -1372,18 +1220,13 @@
               <a:rPr lang="en-US"/>
               <a:t>Fifth level</a:t>
             </a:r>
-          </a:p>
-        </p:txBody>
-      </p:sp>
-      <p:sp>
-        <p:nvSpPr>
-          <p:cNvPr id="5" name="Date Placeholder 4">
-            <a:extLst>
-              <a:ext uri="{FF2B5EF4-FFF2-40B4-BE49-F238E27FC236}">
-                <a16:creationId xmlns:a16="http://schemas.microsoft.com/office/drawing/2014/main" id="{593DF615-F1C5-C140-A422-DDABF5F9A034}"/>
-              </a:ext>
-            </a:extLst>
-          </p:cNvPr>
+            <a:endParaRPr lang="en-US" dirty="0"/>
+          </a:p>
+        </p:txBody>
+      </p:sp>
+      <p:sp>
+        <p:nvSpPr>
+          <p:cNvPr id="5" name="Date Placeholder 4"/>
           <p:cNvSpPr>
             <a:spLocks noGrp="1"/>
           </p:cNvSpPr>
@@ -1398,7 +1241,7 @@
           <a:p>
             <a:fld id="{CBA60698-1228-C745-AFDB-F29E203C583A}" type="datetimeFigureOut">
               <a:rPr lang="en-US" smtClean="0"/>
-              <a:t>6/6/21</a:t>
+              <a:t>6/9/21</a:t>
             </a:fld>
             <a:endParaRPr lang="en-US"/>
           </a:p>
@@ -1406,13 +1249,7 @@
       </p:sp>
       <p:sp>
         <p:nvSpPr>
-          <p:cNvPr id="6" name="Footer Placeholder 5">
-            <a:extLst>
-              <a:ext uri="{FF2B5EF4-FFF2-40B4-BE49-F238E27FC236}">
-                <a16:creationId xmlns:a16="http://schemas.microsoft.com/office/drawing/2014/main" id="{C3CC6F00-6981-5B4D-94B3-E126E4C5FBA7}"/>
-              </a:ext>
-            </a:extLst>
-          </p:cNvPr>
+          <p:cNvPr id="6" name="Footer Placeholder 5"/>
           <p:cNvSpPr>
             <a:spLocks noGrp="1"/>
           </p:cNvSpPr>
@@ -1431,13 +1268,7 @@
       </p:sp>
       <p:sp>
         <p:nvSpPr>
-          <p:cNvPr id="7" name="Slide Number Placeholder 6">
-            <a:extLst>
-              <a:ext uri="{FF2B5EF4-FFF2-40B4-BE49-F238E27FC236}">
-                <a16:creationId xmlns:a16="http://schemas.microsoft.com/office/drawing/2014/main" id="{21FCF464-B0F9-A044-A700-409423192D04}"/>
-              </a:ext>
-            </a:extLst>
-          </p:cNvPr>
+          <p:cNvPr id="7" name="Slide Number Placeholder 6"/>
           <p:cNvSpPr>
             <a:spLocks noGrp="1"/>
           </p:cNvSpPr>
@@ -1461,7 +1292,7 @@
     </p:spTree>
     <p:extLst>
       <p:ext uri="{BB962C8B-B14F-4D97-AF65-F5344CB8AC3E}">
-        <p14:creationId xmlns:p14="http://schemas.microsoft.com/office/powerpoint/2010/main" val="2158620146"/>
+        <p14:creationId xmlns:p14="http://schemas.microsoft.com/office/powerpoint/2010/main" val="2005913538"/>
       </p:ext>
     </p:extLst>
   </p:cSld>
@@ -1490,13 +1321,7 @@
       </p:grpSpPr>
       <p:sp>
         <p:nvSpPr>
-          <p:cNvPr id="2" name="Title 1">
-            <a:extLst>
-              <a:ext uri="{FF2B5EF4-FFF2-40B4-BE49-F238E27FC236}">
-                <a16:creationId xmlns:a16="http://schemas.microsoft.com/office/drawing/2014/main" id="{8A32E4D7-23F1-084B-A6FC-5FB2DDF6C246}"/>
-              </a:ext>
-            </a:extLst>
-          </p:cNvPr>
+          <p:cNvPr id="2" name="Title 1"/>
           <p:cNvSpPr>
             <a:spLocks noGrp="1"/>
           </p:cNvSpPr>
@@ -1506,8 +1331,8 @@
         </p:nvSpPr>
         <p:spPr>
           <a:xfrm>
-            <a:off x="839788" y="365125"/>
-            <a:ext cx="10515600" cy="1325563"/>
+            <a:off x="629841" y="365126"/>
+            <a:ext cx="7886700" cy="1325563"/>
           </a:xfrm>
         </p:spPr>
         <p:txBody>
@@ -1518,18 +1343,13 @@
               <a:rPr lang="en-US"/>
               <a:t>Click to edit Master title style</a:t>
             </a:r>
-          </a:p>
-        </p:txBody>
-      </p:sp>
-      <p:sp>
-        <p:nvSpPr>
-          <p:cNvPr id="3" name="Text Placeholder 2">
-            <a:extLst>
-              <a:ext uri="{FF2B5EF4-FFF2-40B4-BE49-F238E27FC236}">
-                <a16:creationId xmlns:a16="http://schemas.microsoft.com/office/drawing/2014/main" id="{9C4873BF-D53D-974D-95D4-C28102CA4E7B}"/>
-              </a:ext>
-            </a:extLst>
-          </p:cNvPr>
+            <a:endParaRPr lang="en-US" dirty="0"/>
+          </a:p>
+        </p:txBody>
+      </p:sp>
+      <p:sp>
+        <p:nvSpPr>
+          <p:cNvPr id="3" name="Text Placeholder 2"/>
           <p:cNvSpPr>
             <a:spLocks noGrp="1"/>
           </p:cNvSpPr>
@@ -1539,8 +1359,8 @@
         </p:nvSpPr>
         <p:spPr>
           <a:xfrm>
-            <a:off x="839788" y="1681163"/>
-            <a:ext cx="5157787" cy="823912"/>
+            <a:off x="629842" y="1681163"/>
+            <a:ext cx="3868340" cy="823912"/>
           </a:xfrm>
         </p:spPr>
         <p:txBody>
@@ -1594,13 +1414,7 @@
       </p:sp>
       <p:sp>
         <p:nvSpPr>
-          <p:cNvPr id="4" name="Content Placeholder 3">
-            <a:extLst>
-              <a:ext uri="{FF2B5EF4-FFF2-40B4-BE49-F238E27FC236}">
-                <a16:creationId xmlns:a16="http://schemas.microsoft.com/office/drawing/2014/main" id="{2B2A0E7E-5737-B342-AF82-4F98DD543570}"/>
-              </a:ext>
-            </a:extLst>
-          </p:cNvPr>
+          <p:cNvPr id="4" name="Content Placeholder 3"/>
           <p:cNvSpPr>
             <a:spLocks noGrp="1"/>
           </p:cNvSpPr>
@@ -1610,8 +1424,8 @@
         </p:nvSpPr>
         <p:spPr>
           <a:xfrm>
-            <a:off x="839788" y="2505075"/>
-            <a:ext cx="5157787" cy="3684588"/>
+            <a:off x="629842" y="2505075"/>
+            <a:ext cx="3868340" cy="3684588"/>
           </a:xfrm>
         </p:spPr>
         <p:txBody>
@@ -1651,18 +1465,13 @@
               <a:rPr lang="en-US"/>
               <a:t>Fifth level</a:t>
             </a:r>
-          </a:p>
-        </p:txBody>
-      </p:sp>
-      <p:sp>
-        <p:nvSpPr>
-          <p:cNvPr id="5" name="Text Placeholder 4">
-            <a:extLst>
-              <a:ext uri="{FF2B5EF4-FFF2-40B4-BE49-F238E27FC236}">
-                <a16:creationId xmlns:a16="http://schemas.microsoft.com/office/drawing/2014/main" id="{C7BA705E-5A22-D94F-9E2B-200371C242BA}"/>
-              </a:ext>
-            </a:extLst>
-          </p:cNvPr>
+            <a:endParaRPr lang="en-US" dirty="0"/>
+          </a:p>
+        </p:txBody>
+      </p:sp>
+      <p:sp>
+        <p:nvSpPr>
+          <p:cNvPr id="5" name="Text Placeholder 4"/>
           <p:cNvSpPr>
             <a:spLocks noGrp="1"/>
           </p:cNvSpPr>
@@ -1672,8 +1481,8 @@
         </p:nvSpPr>
         <p:spPr>
           <a:xfrm>
-            <a:off x="6172200" y="1681163"/>
-            <a:ext cx="5183188" cy="823912"/>
+            <a:off x="4629150" y="1681163"/>
+            <a:ext cx="3887391" cy="823912"/>
           </a:xfrm>
         </p:spPr>
         <p:txBody>
@@ -1727,13 +1536,7 @@
       </p:sp>
       <p:sp>
         <p:nvSpPr>
-          <p:cNvPr id="6" name="Content Placeholder 5">
-            <a:extLst>
-              <a:ext uri="{FF2B5EF4-FFF2-40B4-BE49-F238E27FC236}">
-                <a16:creationId xmlns:a16="http://schemas.microsoft.com/office/drawing/2014/main" id="{949EEA28-51FE-F846-A7EE-42F9D035E3F8}"/>
-              </a:ext>
-            </a:extLst>
-          </p:cNvPr>
+          <p:cNvPr id="6" name="Content Placeholder 5"/>
           <p:cNvSpPr>
             <a:spLocks noGrp="1"/>
           </p:cNvSpPr>
@@ -1743,8 +1546,8 @@
         </p:nvSpPr>
         <p:spPr>
           <a:xfrm>
-            <a:off x="6172200" y="2505075"/>
-            <a:ext cx="5183188" cy="3684588"/>
+            <a:off x="4629150" y="2505075"/>
+            <a:ext cx="3887391" cy="3684588"/>
           </a:xfrm>
         </p:spPr>
         <p:txBody>
@@ -1784,18 +1587,13 @@
               <a:rPr lang="en-US"/>
               <a:t>Fifth level</a:t>
             </a:r>
-          </a:p>
-        </p:txBody>
-      </p:sp>
-      <p:sp>
-        <p:nvSpPr>
-          <p:cNvPr id="7" name="Date Placeholder 6">
-            <a:extLst>
-              <a:ext uri="{FF2B5EF4-FFF2-40B4-BE49-F238E27FC236}">
-                <a16:creationId xmlns:a16="http://schemas.microsoft.com/office/drawing/2014/main" id="{4F3C8D3A-9672-4F4C-AAD2-B2BA8A710A58}"/>
-              </a:ext>
-            </a:extLst>
-          </p:cNvPr>
+            <a:endParaRPr lang="en-US" dirty="0"/>
+          </a:p>
+        </p:txBody>
+      </p:sp>
+      <p:sp>
+        <p:nvSpPr>
+          <p:cNvPr id="7" name="Date Placeholder 6"/>
           <p:cNvSpPr>
             <a:spLocks noGrp="1"/>
           </p:cNvSpPr>
@@ -1810,7 +1608,7 @@
           <a:p>
             <a:fld id="{CBA60698-1228-C745-AFDB-F29E203C583A}" type="datetimeFigureOut">
               <a:rPr lang="en-US" smtClean="0"/>
-              <a:t>6/6/21</a:t>
+              <a:t>6/9/21</a:t>
             </a:fld>
             <a:endParaRPr lang="en-US"/>
           </a:p>
@@ -1818,13 +1616,7 @@
       </p:sp>
       <p:sp>
         <p:nvSpPr>
-          <p:cNvPr id="8" name="Footer Placeholder 7">
-            <a:extLst>
-              <a:ext uri="{FF2B5EF4-FFF2-40B4-BE49-F238E27FC236}">
-                <a16:creationId xmlns:a16="http://schemas.microsoft.com/office/drawing/2014/main" id="{2A6E00C9-04ED-5647-B60B-89D15C003FF7}"/>
-              </a:ext>
-            </a:extLst>
-          </p:cNvPr>
+          <p:cNvPr id="8" name="Footer Placeholder 7"/>
           <p:cNvSpPr>
             <a:spLocks noGrp="1"/>
           </p:cNvSpPr>
@@ -1843,13 +1635,7 @@
       </p:sp>
       <p:sp>
         <p:nvSpPr>
-          <p:cNvPr id="9" name="Slide Number Placeholder 8">
-            <a:extLst>
-              <a:ext uri="{FF2B5EF4-FFF2-40B4-BE49-F238E27FC236}">
-                <a16:creationId xmlns:a16="http://schemas.microsoft.com/office/drawing/2014/main" id="{7F2F1130-30CC-A44B-BC82-77644CB28A65}"/>
-              </a:ext>
-            </a:extLst>
-          </p:cNvPr>
+          <p:cNvPr id="9" name="Slide Number Placeholder 8"/>
           <p:cNvSpPr>
             <a:spLocks noGrp="1"/>
           </p:cNvSpPr>
@@ -1873,7 +1659,7 @@
     </p:spTree>
     <p:extLst>
       <p:ext uri="{BB962C8B-B14F-4D97-AF65-F5344CB8AC3E}">
-        <p14:creationId xmlns:p14="http://schemas.microsoft.com/office/powerpoint/2010/main" val="4231024142"/>
+        <p14:creationId xmlns:p14="http://schemas.microsoft.com/office/powerpoint/2010/main" val="3343168775"/>
       </p:ext>
     </p:extLst>
   </p:cSld>
@@ -1902,13 +1688,7 @@
       </p:grpSpPr>
       <p:sp>
         <p:nvSpPr>
-          <p:cNvPr id="2" name="Title 1">
-            <a:extLst>
-              <a:ext uri="{FF2B5EF4-FFF2-40B4-BE49-F238E27FC236}">
-                <a16:creationId xmlns:a16="http://schemas.microsoft.com/office/drawing/2014/main" id="{7CD99B65-B608-8147-947B-A64A0CBDA581}"/>
-              </a:ext>
-            </a:extLst>
-          </p:cNvPr>
+          <p:cNvPr id="2" name="Title 1"/>
           <p:cNvSpPr>
             <a:spLocks noGrp="1"/>
           </p:cNvSpPr>
@@ -1925,18 +1705,13 @@
               <a:rPr lang="en-US"/>
               <a:t>Click to edit Master title style</a:t>
             </a:r>
-          </a:p>
-        </p:txBody>
-      </p:sp>
-      <p:sp>
-        <p:nvSpPr>
-          <p:cNvPr id="3" name="Date Placeholder 2">
-            <a:extLst>
-              <a:ext uri="{FF2B5EF4-FFF2-40B4-BE49-F238E27FC236}">
-                <a16:creationId xmlns:a16="http://schemas.microsoft.com/office/drawing/2014/main" id="{D65A4A81-B6B8-9A42-A864-BB7514772C96}"/>
-              </a:ext>
-            </a:extLst>
-          </p:cNvPr>
+            <a:endParaRPr lang="en-US" dirty="0"/>
+          </a:p>
+        </p:txBody>
+      </p:sp>
+      <p:sp>
+        <p:nvSpPr>
+          <p:cNvPr id="3" name="Date Placeholder 2"/>
           <p:cNvSpPr>
             <a:spLocks noGrp="1"/>
           </p:cNvSpPr>
@@ -1951,7 +1726,7 @@
           <a:p>
             <a:fld id="{CBA60698-1228-C745-AFDB-F29E203C583A}" type="datetimeFigureOut">
               <a:rPr lang="en-US" smtClean="0"/>
-              <a:t>6/6/21</a:t>
+              <a:t>6/9/21</a:t>
             </a:fld>
             <a:endParaRPr lang="en-US"/>
           </a:p>
@@ -1959,13 +1734,7 @@
       </p:sp>
       <p:sp>
         <p:nvSpPr>
-          <p:cNvPr id="4" name="Footer Placeholder 3">
-            <a:extLst>
-              <a:ext uri="{FF2B5EF4-FFF2-40B4-BE49-F238E27FC236}">
-                <a16:creationId xmlns:a16="http://schemas.microsoft.com/office/drawing/2014/main" id="{A821255B-C5A9-0840-BA6F-A51C61473BC3}"/>
-              </a:ext>
-            </a:extLst>
-          </p:cNvPr>
+          <p:cNvPr id="4" name="Footer Placeholder 3"/>
           <p:cNvSpPr>
             <a:spLocks noGrp="1"/>
           </p:cNvSpPr>
@@ -1984,13 +1753,7 @@
       </p:sp>
       <p:sp>
         <p:nvSpPr>
-          <p:cNvPr id="5" name="Slide Number Placeholder 4">
-            <a:extLst>
-              <a:ext uri="{FF2B5EF4-FFF2-40B4-BE49-F238E27FC236}">
-                <a16:creationId xmlns:a16="http://schemas.microsoft.com/office/drawing/2014/main" id="{6426734F-47BC-CB47-83F2-63F68E44F33B}"/>
-              </a:ext>
-            </a:extLst>
-          </p:cNvPr>
+          <p:cNvPr id="5" name="Slide Number Placeholder 4"/>
           <p:cNvSpPr>
             <a:spLocks noGrp="1"/>
           </p:cNvSpPr>
@@ -2014,7 +1777,7 @@
     </p:spTree>
     <p:extLst>
       <p:ext uri="{BB962C8B-B14F-4D97-AF65-F5344CB8AC3E}">
-        <p14:creationId xmlns:p14="http://schemas.microsoft.com/office/powerpoint/2010/main" val="3651389877"/>
+        <p14:creationId xmlns:p14="http://schemas.microsoft.com/office/powerpoint/2010/main" val="1511577859"/>
       </p:ext>
     </p:extLst>
   </p:cSld>
@@ -2043,13 +1806,7 @@
       </p:grpSpPr>
       <p:sp>
         <p:nvSpPr>
-          <p:cNvPr id="2" name="Date Placeholder 1">
-            <a:extLst>
-              <a:ext uri="{FF2B5EF4-FFF2-40B4-BE49-F238E27FC236}">
-                <a16:creationId xmlns:a16="http://schemas.microsoft.com/office/drawing/2014/main" id="{6F39C108-23D2-5942-9B03-318C6ADDF2C9}"/>
-              </a:ext>
-            </a:extLst>
-          </p:cNvPr>
+          <p:cNvPr id="2" name="Date Placeholder 1"/>
           <p:cNvSpPr>
             <a:spLocks noGrp="1"/>
           </p:cNvSpPr>
@@ -2064,7 +1821,7 @@
           <a:p>
             <a:fld id="{CBA60698-1228-C745-AFDB-F29E203C583A}" type="datetimeFigureOut">
               <a:rPr lang="en-US" smtClean="0"/>
-              <a:t>6/6/21</a:t>
+              <a:t>6/9/21</a:t>
             </a:fld>
             <a:endParaRPr lang="en-US"/>
           </a:p>
@@ -2072,13 +1829,7 @@
       </p:sp>
       <p:sp>
         <p:nvSpPr>
-          <p:cNvPr id="3" name="Footer Placeholder 2">
-            <a:extLst>
-              <a:ext uri="{FF2B5EF4-FFF2-40B4-BE49-F238E27FC236}">
-                <a16:creationId xmlns:a16="http://schemas.microsoft.com/office/drawing/2014/main" id="{3F4B7EEA-11C7-E341-ABE6-420682DD5B5D}"/>
-              </a:ext>
-            </a:extLst>
-          </p:cNvPr>
+          <p:cNvPr id="3" name="Footer Placeholder 2"/>
           <p:cNvSpPr>
             <a:spLocks noGrp="1"/>
           </p:cNvSpPr>
@@ -2097,13 +1848,7 @@
       </p:sp>
       <p:sp>
         <p:nvSpPr>
-          <p:cNvPr id="4" name="Slide Number Placeholder 3">
-            <a:extLst>
-              <a:ext uri="{FF2B5EF4-FFF2-40B4-BE49-F238E27FC236}">
-                <a16:creationId xmlns:a16="http://schemas.microsoft.com/office/drawing/2014/main" id="{9AA4BB72-A08C-4E4C-B5C3-8B35715D2E82}"/>
-              </a:ext>
-            </a:extLst>
-          </p:cNvPr>
+          <p:cNvPr id="4" name="Slide Number Placeholder 3"/>
           <p:cNvSpPr>
             <a:spLocks noGrp="1"/>
           </p:cNvSpPr>
@@ -2127,7 +1872,7 @@
     </p:spTree>
     <p:extLst>
       <p:ext uri="{BB962C8B-B14F-4D97-AF65-F5344CB8AC3E}">
-        <p14:creationId xmlns:p14="http://schemas.microsoft.com/office/powerpoint/2010/main" val="4139302041"/>
+        <p14:creationId xmlns:p14="http://schemas.microsoft.com/office/powerpoint/2010/main" val="1833441816"/>
       </p:ext>
     </p:extLst>
   </p:cSld>
@@ -2156,13 +1901,7 @@
       </p:grpSpPr>
       <p:sp>
         <p:nvSpPr>
-          <p:cNvPr id="2" name="Title 1">
-            <a:extLst>
-              <a:ext uri="{FF2B5EF4-FFF2-40B4-BE49-F238E27FC236}">
-                <a16:creationId xmlns:a16="http://schemas.microsoft.com/office/drawing/2014/main" id="{C40E8799-8D66-8545-B03C-A4902A5D0CBD}"/>
-              </a:ext>
-            </a:extLst>
-          </p:cNvPr>
+          <p:cNvPr id="2" name="Title 1"/>
           <p:cNvSpPr>
             <a:spLocks noGrp="1"/>
           </p:cNvSpPr>
@@ -2172,8 +1911,8 @@
         </p:nvSpPr>
         <p:spPr>
           <a:xfrm>
-            <a:off x="839788" y="457200"/>
-            <a:ext cx="3932237" cy="1600200"/>
+            <a:off x="629841" y="457200"/>
+            <a:ext cx="2949178" cy="1600200"/>
           </a:xfrm>
         </p:spPr>
         <p:txBody>
@@ -2188,18 +1927,13 @@
               <a:rPr lang="en-US"/>
               <a:t>Click to edit Master title style</a:t>
             </a:r>
-          </a:p>
-        </p:txBody>
-      </p:sp>
-      <p:sp>
-        <p:nvSpPr>
-          <p:cNvPr id="3" name="Content Placeholder 2">
-            <a:extLst>
-              <a:ext uri="{FF2B5EF4-FFF2-40B4-BE49-F238E27FC236}">
-                <a16:creationId xmlns:a16="http://schemas.microsoft.com/office/drawing/2014/main" id="{1A3FC167-550B-2B47-9155-A7CABC9487BA}"/>
-              </a:ext>
-            </a:extLst>
-          </p:cNvPr>
+            <a:endParaRPr lang="en-US" dirty="0"/>
+          </a:p>
+        </p:txBody>
+      </p:sp>
+      <p:sp>
+        <p:nvSpPr>
+          <p:cNvPr id="3" name="Content Placeholder 2"/>
           <p:cNvSpPr>
             <a:spLocks noGrp="1"/>
           </p:cNvSpPr>
@@ -2209,8 +1943,8 @@
         </p:nvSpPr>
         <p:spPr>
           <a:xfrm>
-            <a:off x="5183188" y="987425"/>
-            <a:ext cx="6172200" cy="4873625"/>
+            <a:off x="3887391" y="987426"/>
+            <a:ext cx="4629150" cy="4873625"/>
           </a:xfrm>
         </p:spPr>
         <p:txBody>
@@ -2278,18 +2012,13 @@
               <a:rPr lang="en-US"/>
               <a:t>Fifth level</a:t>
             </a:r>
-          </a:p>
-        </p:txBody>
-      </p:sp>
-      <p:sp>
-        <p:nvSpPr>
-          <p:cNvPr id="4" name="Text Placeholder 3">
-            <a:extLst>
-              <a:ext uri="{FF2B5EF4-FFF2-40B4-BE49-F238E27FC236}">
-                <a16:creationId xmlns:a16="http://schemas.microsoft.com/office/drawing/2014/main" id="{6D89F835-75C4-B44B-9E53-41E03F269833}"/>
-              </a:ext>
-            </a:extLst>
-          </p:cNvPr>
+            <a:endParaRPr lang="en-US" dirty="0"/>
+          </a:p>
+        </p:txBody>
+      </p:sp>
+      <p:sp>
+        <p:nvSpPr>
+          <p:cNvPr id="4" name="Text Placeholder 3"/>
           <p:cNvSpPr>
             <a:spLocks noGrp="1"/>
           </p:cNvSpPr>
@@ -2299,8 +2028,8 @@
         </p:nvSpPr>
         <p:spPr>
           <a:xfrm>
-            <a:off x="839788" y="2057400"/>
-            <a:ext cx="3932237" cy="3811588"/>
+            <a:off x="629841" y="2057400"/>
+            <a:ext cx="2949178" cy="3811588"/>
           </a:xfrm>
         </p:spPr>
         <p:txBody>
@@ -2354,13 +2083,7 @@
       </p:sp>
       <p:sp>
         <p:nvSpPr>
-          <p:cNvPr id="5" name="Date Placeholder 4">
-            <a:extLst>
-              <a:ext uri="{FF2B5EF4-FFF2-40B4-BE49-F238E27FC236}">
-                <a16:creationId xmlns:a16="http://schemas.microsoft.com/office/drawing/2014/main" id="{61F5735F-52B6-5942-86B4-5CBE7406CD46}"/>
-              </a:ext>
-            </a:extLst>
-          </p:cNvPr>
+          <p:cNvPr id="5" name="Date Placeholder 4"/>
           <p:cNvSpPr>
             <a:spLocks noGrp="1"/>
           </p:cNvSpPr>
@@ -2375,7 +2098,7 @@
           <a:p>
             <a:fld id="{CBA60698-1228-C745-AFDB-F29E203C583A}" type="datetimeFigureOut">
               <a:rPr lang="en-US" smtClean="0"/>
-              <a:t>6/6/21</a:t>
+              <a:t>6/9/21</a:t>
             </a:fld>
             <a:endParaRPr lang="en-US"/>
           </a:p>
@@ -2383,13 +2106,7 @@
       </p:sp>
       <p:sp>
         <p:nvSpPr>
-          <p:cNvPr id="6" name="Footer Placeholder 5">
-            <a:extLst>
-              <a:ext uri="{FF2B5EF4-FFF2-40B4-BE49-F238E27FC236}">
-                <a16:creationId xmlns:a16="http://schemas.microsoft.com/office/drawing/2014/main" id="{4021841C-10D0-DA40-BA47-7ECD3A3BD52F}"/>
-              </a:ext>
-            </a:extLst>
-          </p:cNvPr>
+          <p:cNvPr id="6" name="Footer Placeholder 5"/>
           <p:cNvSpPr>
             <a:spLocks noGrp="1"/>
           </p:cNvSpPr>
@@ -2408,13 +2125,7 @@
       </p:sp>
       <p:sp>
         <p:nvSpPr>
-          <p:cNvPr id="7" name="Slide Number Placeholder 6">
-            <a:extLst>
-              <a:ext uri="{FF2B5EF4-FFF2-40B4-BE49-F238E27FC236}">
-                <a16:creationId xmlns:a16="http://schemas.microsoft.com/office/drawing/2014/main" id="{572173DF-0A80-134F-A974-96662451332B}"/>
-              </a:ext>
-            </a:extLst>
-          </p:cNvPr>
+          <p:cNvPr id="7" name="Slide Number Placeholder 6"/>
           <p:cNvSpPr>
             <a:spLocks noGrp="1"/>
           </p:cNvSpPr>
@@ -2438,7 +2149,7 @@
     </p:spTree>
     <p:extLst>
       <p:ext uri="{BB962C8B-B14F-4D97-AF65-F5344CB8AC3E}">
-        <p14:creationId xmlns:p14="http://schemas.microsoft.com/office/powerpoint/2010/main" val="2536632982"/>
+        <p14:creationId xmlns:p14="http://schemas.microsoft.com/office/powerpoint/2010/main" val="1907092910"/>
       </p:ext>
     </p:extLst>
   </p:cSld>
@@ -2467,13 +2178,7 @@
       </p:grpSpPr>
       <p:sp>
         <p:nvSpPr>
-          <p:cNvPr id="2" name="Title 1">
-            <a:extLst>
-              <a:ext uri="{FF2B5EF4-FFF2-40B4-BE49-F238E27FC236}">
-                <a16:creationId xmlns:a16="http://schemas.microsoft.com/office/drawing/2014/main" id="{1CE34B61-3990-584B-BE10-E7DBE7543A05}"/>
-              </a:ext>
-            </a:extLst>
-          </p:cNvPr>
+          <p:cNvPr id="2" name="Title 1"/>
           <p:cNvSpPr>
             <a:spLocks noGrp="1"/>
           </p:cNvSpPr>
@@ -2483,8 +2188,8 @@
         </p:nvSpPr>
         <p:spPr>
           <a:xfrm>
-            <a:off x="839788" y="457200"/>
-            <a:ext cx="3932237" cy="1600200"/>
+            <a:off x="629841" y="457200"/>
+            <a:ext cx="2949178" cy="1600200"/>
           </a:xfrm>
         </p:spPr>
         <p:txBody>
@@ -2499,20 +2204,15 @@
               <a:rPr lang="en-US"/>
               <a:t>Click to edit Master title style</a:t>
             </a:r>
-          </a:p>
-        </p:txBody>
-      </p:sp>
-      <p:sp>
-        <p:nvSpPr>
-          <p:cNvPr id="3" name="Picture Placeholder 2">
-            <a:extLst>
-              <a:ext uri="{FF2B5EF4-FFF2-40B4-BE49-F238E27FC236}">
-                <a16:creationId xmlns:a16="http://schemas.microsoft.com/office/drawing/2014/main" id="{025427C3-7564-0149-B8B8-E57A4430C4DE}"/>
-              </a:ext>
-            </a:extLst>
-          </p:cNvPr>
-          <p:cNvSpPr>
-            <a:spLocks noGrp="1"/>
+            <a:endParaRPr lang="en-US" dirty="0"/>
+          </a:p>
+        </p:txBody>
+      </p:sp>
+      <p:sp>
+        <p:nvSpPr>
+          <p:cNvPr id="3" name="Picture Placeholder 2"/>
+          <p:cNvSpPr>
+            <a:spLocks noGrp="1" noChangeAspect="1"/>
           </p:cNvSpPr>
           <p:nvPr>
             <p:ph type="pic" idx="1"/>
@@ -2520,8 +2220,73 @@
         </p:nvSpPr>
         <p:spPr>
           <a:xfrm>
-            <a:off x="5183188" y="987425"/>
-            <a:ext cx="6172200" cy="4873625"/>
+            <a:off x="3887391" y="987426"/>
+            <a:ext cx="4629150" cy="4873625"/>
+          </a:xfrm>
+        </p:spPr>
+        <p:txBody>
+          <a:bodyPr anchor="t"/>
+          <a:lstStyle>
+            <a:lvl1pPr marL="0" indent="0">
+              <a:buNone/>
+              <a:defRPr sz="3200"/>
+            </a:lvl1pPr>
+            <a:lvl2pPr marL="457200" indent="0">
+              <a:buNone/>
+              <a:defRPr sz="2800"/>
+            </a:lvl2pPr>
+            <a:lvl3pPr marL="914400" indent="0">
+              <a:buNone/>
+              <a:defRPr sz="2400"/>
+            </a:lvl3pPr>
+            <a:lvl4pPr marL="1371600" indent="0">
+              <a:buNone/>
+              <a:defRPr sz="2000"/>
+            </a:lvl4pPr>
+            <a:lvl5pPr marL="1828800" indent="0">
+              <a:buNone/>
+              <a:defRPr sz="2000"/>
+            </a:lvl5pPr>
+            <a:lvl6pPr marL="2286000" indent="0">
+              <a:buNone/>
+              <a:defRPr sz="2000"/>
+            </a:lvl6pPr>
+            <a:lvl7pPr marL="2743200" indent="0">
+              <a:buNone/>
+              <a:defRPr sz="2000"/>
+            </a:lvl7pPr>
+            <a:lvl8pPr marL="3200400" indent="0">
+              <a:buNone/>
+              <a:defRPr sz="2000"/>
+            </a:lvl8pPr>
+            <a:lvl9pPr marL="3657600" indent="0">
+              <a:buNone/>
+              <a:defRPr sz="2000"/>
+            </a:lvl9pPr>
+          </a:lstStyle>
+          <a:p>
+            <a:r>
+              <a:rPr lang="en-US"/>
+              <a:t>Click icon to add picture</a:t>
+            </a:r>
+            <a:endParaRPr lang="en-US" dirty="0"/>
+          </a:p>
+        </p:txBody>
+      </p:sp>
+      <p:sp>
+        <p:nvSpPr>
+          <p:cNvPr id="4" name="Text Placeholder 3"/>
+          <p:cNvSpPr>
+            <a:spLocks noGrp="1"/>
+          </p:cNvSpPr>
+          <p:nvPr>
+            <p:ph type="body" sz="half" idx="2"/>
+          </p:nvPr>
+        </p:nvSpPr>
+        <p:spPr>
+          <a:xfrm>
+            <a:off x="629841" y="2057400"/>
+            <a:ext cx="2949178" cy="3811588"/>
           </a:xfrm>
         </p:spPr>
         <p:txBody>
@@ -2529,73 +2294,6 @@
           <a:lstStyle>
             <a:lvl1pPr marL="0" indent="0">
               <a:buNone/>
-              <a:defRPr sz="3200"/>
-            </a:lvl1pPr>
-            <a:lvl2pPr marL="457200" indent="0">
-              <a:buNone/>
-              <a:defRPr sz="2800"/>
-            </a:lvl2pPr>
-            <a:lvl3pPr marL="914400" indent="0">
-              <a:buNone/>
-              <a:defRPr sz="2400"/>
-            </a:lvl3pPr>
-            <a:lvl4pPr marL="1371600" indent="0">
-              <a:buNone/>
-              <a:defRPr sz="2000"/>
-            </a:lvl4pPr>
-            <a:lvl5pPr marL="1828800" indent="0">
-              <a:buNone/>
-              <a:defRPr sz="2000"/>
-            </a:lvl5pPr>
-            <a:lvl6pPr marL="2286000" indent="0">
-              <a:buNone/>
-              <a:defRPr sz="2000"/>
-            </a:lvl6pPr>
-            <a:lvl7pPr marL="2743200" indent="0">
-              <a:buNone/>
-              <a:defRPr sz="2000"/>
-            </a:lvl7pPr>
-            <a:lvl8pPr marL="3200400" indent="0">
-              <a:buNone/>
-              <a:defRPr sz="2000"/>
-            </a:lvl8pPr>
-            <a:lvl9pPr marL="3657600" indent="0">
-              <a:buNone/>
-              <a:defRPr sz="2000"/>
-            </a:lvl9pPr>
-          </a:lstStyle>
-          <a:p>
-            <a:endParaRPr lang="en-US"/>
-          </a:p>
-        </p:txBody>
-      </p:sp>
-      <p:sp>
-        <p:nvSpPr>
-          <p:cNvPr id="4" name="Text Placeholder 3">
-            <a:extLst>
-              <a:ext uri="{FF2B5EF4-FFF2-40B4-BE49-F238E27FC236}">
-                <a16:creationId xmlns:a16="http://schemas.microsoft.com/office/drawing/2014/main" id="{9258C67C-4D3D-EE43-ACF6-6BFEAA66D545}"/>
-              </a:ext>
-            </a:extLst>
-          </p:cNvPr>
-          <p:cNvSpPr>
-            <a:spLocks noGrp="1"/>
-          </p:cNvSpPr>
-          <p:nvPr>
-            <p:ph type="body" sz="half" idx="2"/>
-          </p:nvPr>
-        </p:nvSpPr>
-        <p:spPr>
-          <a:xfrm>
-            <a:off x="839788" y="2057400"/>
-            <a:ext cx="3932237" cy="3811588"/>
-          </a:xfrm>
-        </p:spPr>
-        <p:txBody>
-          <a:bodyPr/>
-          <a:lstStyle>
-            <a:lvl1pPr marL="0" indent="0">
-              <a:buNone/>
               <a:defRPr sz="1600"/>
             </a:lvl1pPr>
             <a:lvl2pPr marL="457200" indent="0">
@@ -2642,13 +2340,7 @@
       </p:sp>
       <p:sp>
         <p:nvSpPr>
-          <p:cNvPr id="5" name="Date Placeholder 4">
-            <a:extLst>
-              <a:ext uri="{FF2B5EF4-FFF2-40B4-BE49-F238E27FC236}">
-                <a16:creationId xmlns:a16="http://schemas.microsoft.com/office/drawing/2014/main" id="{EDFE5FC9-6101-FB41-A00E-8EFB7E5CF254}"/>
-              </a:ext>
-            </a:extLst>
-          </p:cNvPr>
+          <p:cNvPr id="5" name="Date Placeholder 4"/>
           <p:cNvSpPr>
             <a:spLocks noGrp="1"/>
           </p:cNvSpPr>
@@ -2663,7 +2355,7 @@
           <a:p>
             <a:fld id="{CBA60698-1228-C745-AFDB-F29E203C583A}" type="datetimeFigureOut">
               <a:rPr lang="en-US" smtClean="0"/>
-              <a:t>6/6/21</a:t>
+              <a:t>6/9/21</a:t>
             </a:fld>
             <a:endParaRPr lang="en-US"/>
           </a:p>
@@ -2671,13 +2363,7 @@
       </p:sp>
       <p:sp>
         <p:nvSpPr>
-          <p:cNvPr id="6" name="Footer Placeholder 5">
-            <a:extLst>
-              <a:ext uri="{FF2B5EF4-FFF2-40B4-BE49-F238E27FC236}">
-                <a16:creationId xmlns:a16="http://schemas.microsoft.com/office/drawing/2014/main" id="{E95FD4ED-0941-D74D-A3AB-12FF8D871807}"/>
-              </a:ext>
-            </a:extLst>
-          </p:cNvPr>
+          <p:cNvPr id="6" name="Footer Placeholder 5"/>
           <p:cNvSpPr>
             <a:spLocks noGrp="1"/>
           </p:cNvSpPr>
@@ -2696,13 +2382,7 @@
       </p:sp>
       <p:sp>
         <p:nvSpPr>
-          <p:cNvPr id="7" name="Slide Number Placeholder 6">
-            <a:extLst>
-              <a:ext uri="{FF2B5EF4-FFF2-40B4-BE49-F238E27FC236}">
-                <a16:creationId xmlns:a16="http://schemas.microsoft.com/office/drawing/2014/main" id="{89C1E7DA-161F-974F-BF4B-3AED6E943412}"/>
-              </a:ext>
-            </a:extLst>
-          </p:cNvPr>
+          <p:cNvPr id="7" name="Slide Number Placeholder 6"/>
           <p:cNvSpPr>
             <a:spLocks noGrp="1"/>
           </p:cNvSpPr>
@@ -2726,7 +2406,7 @@
     </p:spTree>
     <p:extLst>
       <p:ext uri="{BB962C8B-B14F-4D97-AF65-F5344CB8AC3E}">
-        <p14:creationId xmlns:p14="http://schemas.microsoft.com/office/powerpoint/2010/main" val="713222634"/>
+        <p14:creationId xmlns:p14="http://schemas.microsoft.com/office/powerpoint/2010/main" val="713937311"/>
       </p:ext>
     </p:extLst>
   </p:cSld>
@@ -2760,13 +2440,7 @@
       </p:grpSpPr>
       <p:sp>
         <p:nvSpPr>
-          <p:cNvPr id="2" name="Title Placeholder 1">
-            <a:extLst>
-              <a:ext uri="{FF2B5EF4-FFF2-40B4-BE49-F238E27FC236}">
-                <a16:creationId xmlns:a16="http://schemas.microsoft.com/office/drawing/2014/main" id="{29F456A6-60B4-0B40-9556-E5742B2815FC}"/>
-              </a:ext>
-            </a:extLst>
-          </p:cNvPr>
+          <p:cNvPr id="2" name="Title Placeholder 1"/>
           <p:cNvSpPr>
             <a:spLocks noGrp="1"/>
           </p:cNvSpPr>
@@ -2776,8 +2450,8 @@
         </p:nvSpPr>
         <p:spPr>
           <a:xfrm>
-            <a:off x="838200" y="365125"/>
-            <a:ext cx="10515600" cy="1325563"/>
+            <a:off x="628650" y="365126"/>
+            <a:ext cx="7886700" cy="1325563"/>
           </a:xfrm>
           <a:prstGeom prst="rect">
             <a:avLst/>
@@ -2793,18 +2467,13 @@
               <a:rPr lang="en-US"/>
               <a:t>Click to edit Master title style</a:t>
             </a:r>
-          </a:p>
-        </p:txBody>
-      </p:sp>
-      <p:sp>
-        <p:nvSpPr>
-          <p:cNvPr id="3" name="Text Placeholder 2">
-            <a:extLst>
-              <a:ext uri="{FF2B5EF4-FFF2-40B4-BE49-F238E27FC236}">
-                <a16:creationId xmlns:a16="http://schemas.microsoft.com/office/drawing/2014/main" id="{B2134BAE-633B-BD48-BE5A-C13AA5B6D9BB}"/>
-              </a:ext>
-            </a:extLst>
-          </p:cNvPr>
+            <a:endParaRPr lang="en-US" dirty="0"/>
+          </a:p>
+        </p:txBody>
+      </p:sp>
+      <p:sp>
+        <p:nvSpPr>
+          <p:cNvPr id="3" name="Text Placeholder 2"/>
           <p:cNvSpPr>
             <a:spLocks noGrp="1"/>
           </p:cNvSpPr>
@@ -2814,8 +2483,8 @@
         </p:nvSpPr>
         <p:spPr>
           <a:xfrm>
-            <a:off x="838200" y="1825625"/>
-            <a:ext cx="10515600" cy="4351338"/>
+            <a:off x="628650" y="1825625"/>
+            <a:ext cx="7886700" cy="4351338"/>
           </a:xfrm>
           <a:prstGeom prst="rect">
             <a:avLst/>
@@ -2860,18 +2529,13 @@
               <a:rPr lang="en-US"/>
               <a:t>Fifth level</a:t>
             </a:r>
-          </a:p>
-        </p:txBody>
-      </p:sp>
-      <p:sp>
-        <p:nvSpPr>
-          <p:cNvPr id="4" name="Date Placeholder 3">
-            <a:extLst>
-              <a:ext uri="{FF2B5EF4-FFF2-40B4-BE49-F238E27FC236}">
-                <a16:creationId xmlns:a16="http://schemas.microsoft.com/office/drawing/2014/main" id="{F4D2FB26-E66C-754A-B856-EDD41EBCB925}"/>
-              </a:ext>
-            </a:extLst>
-          </p:cNvPr>
+            <a:endParaRPr lang="en-US" dirty="0"/>
+          </a:p>
+        </p:txBody>
+      </p:sp>
+      <p:sp>
+        <p:nvSpPr>
+          <p:cNvPr id="4" name="Date Placeholder 3"/>
           <p:cNvSpPr>
             <a:spLocks noGrp="1"/>
           </p:cNvSpPr>
@@ -2881,8 +2545,8 @@
         </p:nvSpPr>
         <p:spPr>
           <a:xfrm>
-            <a:off x="838200" y="6356350"/>
-            <a:ext cx="2743200" cy="365125"/>
+            <a:off x="628650" y="6356351"/>
+            <a:ext cx="2057400" cy="365125"/>
           </a:xfrm>
           <a:prstGeom prst="rect">
             <a:avLst/>
@@ -2904,7 +2568,7 @@
           <a:p>
             <a:fld id="{CBA60698-1228-C745-AFDB-F29E203C583A}" type="datetimeFigureOut">
               <a:rPr lang="en-US" smtClean="0"/>
-              <a:t>6/6/21</a:t>
+              <a:t>6/9/21</a:t>
             </a:fld>
             <a:endParaRPr lang="en-US"/>
           </a:p>
@@ -2912,13 +2576,7 @@
       </p:sp>
       <p:sp>
         <p:nvSpPr>
-          <p:cNvPr id="5" name="Footer Placeholder 4">
-            <a:extLst>
-              <a:ext uri="{FF2B5EF4-FFF2-40B4-BE49-F238E27FC236}">
-                <a16:creationId xmlns:a16="http://schemas.microsoft.com/office/drawing/2014/main" id="{46CF8F53-9D7B-6D43-BDC1-F5B043430231}"/>
-              </a:ext>
-            </a:extLst>
-          </p:cNvPr>
+          <p:cNvPr id="5" name="Footer Placeholder 4"/>
           <p:cNvSpPr>
             <a:spLocks noGrp="1"/>
           </p:cNvSpPr>
@@ -2928,8 +2586,8 @@
         </p:nvSpPr>
         <p:spPr>
           <a:xfrm>
-            <a:off x="4038600" y="6356350"/>
-            <a:ext cx="4114800" cy="365125"/>
+            <a:off x="3028950" y="6356351"/>
+            <a:ext cx="3086100" cy="365125"/>
           </a:xfrm>
           <a:prstGeom prst="rect">
             <a:avLst/>
@@ -2955,13 +2613,7 @@
       </p:sp>
       <p:sp>
         <p:nvSpPr>
-          <p:cNvPr id="6" name="Slide Number Placeholder 5">
-            <a:extLst>
-              <a:ext uri="{FF2B5EF4-FFF2-40B4-BE49-F238E27FC236}">
-                <a16:creationId xmlns:a16="http://schemas.microsoft.com/office/drawing/2014/main" id="{8F94E0C6-B526-AC41-8796-AC1F13B7B3CE}"/>
-              </a:ext>
-            </a:extLst>
-          </p:cNvPr>
+          <p:cNvPr id="6" name="Slide Number Placeholder 5"/>
           <p:cNvSpPr>
             <a:spLocks noGrp="1"/>
           </p:cNvSpPr>
@@ -2971,8 +2623,8 @@
         </p:nvSpPr>
         <p:spPr>
           <a:xfrm>
-            <a:off x="8610600" y="6356350"/>
-            <a:ext cx="2743200" cy="365125"/>
+            <a:off x="6457950" y="6356351"/>
+            <a:ext cx="2057400" cy="365125"/>
           </a:xfrm>
           <a:prstGeom prst="rect">
             <a:avLst/>
@@ -3003,23 +2655,23 @@
     </p:spTree>
     <p:extLst>
       <p:ext uri="{BB962C8B-B14F-4D97-AF65-F5344CB8AC3E}">
-        <p14:creationId xmlns:p14="http://schemas.microsoft.com/office/powerpoint/2010/main" val="1364187523"/>
+        <p14:creationId xmlns:p14="http://schemas.microsoft.com/office/powerpoint/2010/main" val="2752566867"/>
       </p:ext>
     </p:extLst>
   </p:cSld>
   <p:clrMap bg1="lt1" tx1="dk1" bg2="lt2" tx2="dk2" accent1="accent1" accent2="accent2" accent3="accent3" accent4="accent4" accent5="accent5" accent6="accent6" hlink="hlink" folHlink="folHlink"/>
   <p:sldLayoutIdLst>
-    <p:sldLayoutId id="2147483649" r:id="rId1"/>
-    <p:sldLayoutId id="2147483650" r:id="rId2"/>
-    <p:sldLayoutId id="2147483651" r:id="rId3"/>
-    <p:sldLayoutId id="2147483652" r:id="rId4"/>
-    <p:sldLayoutId id="2147483653" r:id="rId5"/>
-    <p:sldLayoutId id="2147483654" r:id="rId6"/>
-    <p:sldLayoutId id="2147483655" r:id="rId7"/>
-    <p:sldLayoutId id="2147483656" r:id="rId8"/>
-    <p:sldLayoutId id="2147483657" r:id="rId9"/>
-    <p:sldLayoutId id="2147483658" r:id="rId10"/>
-    <p:sldLayoutId id="2147483659" r:id="rId11"/>
+    <p:sldLayoutId id="2147483661" r:id="rId1"/>
+    <p:sldLayoutId id="2147483662" r:id="rId2"/>
+    <p:sldLayoutId id="2147483663" r:id="rId3"/>
+    <p:sldLayoutId id="2147483664" r:id="rId4"/>
+    <p:sldLayoutId id="2147483665" r:id="rId5"/>
+    <p:sldLayoutId id="2147483666" r:id="rId6"/>
+    <p:sldLayoutId id="2147483667" r:id="rId7"/>
+    <p:sldLayoutId id="2147483668" r:id="rId8"/>
+    <p:sldLayoutId id="2147483669" r:id="rId9"/>
+    <p:sldLayoutId id="2147483670" r:id="rId10"/>
+    <p:sldLayoutId id="2147483671" r:id="rId11"/>
   </p:sldLayoutIdLst>
   <p:txStyles>
     <p:titleStyle>
@@ -3307,6 +2959,14 @@
 <file path=ppt/slides/slide1.xml><?xml version="1.0" encoding="utf-8"?>
 <p:sld xmlns:a="http://schemas.openxmlformats.org/drawingml/2006/main" xmlns:r="http://schemas.openxmlformats.org/officeDocument/2006/relationships" xmlns:p="http://schemas.openxmlformats.org/presentationml/2006/main">
   <p:cSld>
+    <p:bg>
+      <p:bgPr>
+        <a:solidFill>
+          <a:schemeClr val="bg1"/>
+        </a:solidFill>
+        <a:effectLst/>
+      </p:bgPr>
+    </p:bg>
     <p:spTree>
       <p:nvGrpSpPr>
         <p:cNvPr id="1" name=""/>
@@ -3321,6 +2981,1072 @@
           <a:chExt cx="0" cy="0"/>
         </a:xfrm>
       </p:grpSpPr>
+      <p:sp useBgFill="1">
+        <p:nvSpPr>
+          <p:cNvPr id="71" name="Rectangle 70">
+            <a:extLst>
+              <a:ext uri="{FF2B5EF4-FFF2-40B4-BE49-F238E27FC236}">
+                <a16:creationId xmlns:a16="http://schemas.microsoft.com/office/drawing/2014/main" id="{9B7AD9F6-8CE7-4299-8FC6-328F4DCD3FF9}"/>
+              </a:ext>
+              <a:ext uri="{C183D7F6-B498-43B3-948B-1728B52AA6E4}">
+                <adec:decorative xmlns:adec="http://schemas.microsoft.com/office/drawing/2017/decorative" val="1"/>
+              </a:ext>
+            </a:extLst>
+          </p:cNvPr>
+          <p:cNvSpPr>
+            <a:spLocks noGrp="1" noRot="1" noChangeAspect="1" noMove="1" noResize="1" noEditPoints="1" noAdjustHandles="1" noChangeArrowheads="1" noChangeShapeType="1" noTextEdit="1"/>
+          </p:cNvSpPr>
+          <p:nvPr>
+            <p:extLst>
+              <p:ext uri="{386F3935-93C4-4BCD-93E2-E3B085C9AB24}">
+                <p16:designElem xmlns:p16="http://schemas.microsoft.com/office/powerpoint/2015/main" val="1"/>
+              </p:ext>
+            </p:extLst>
+          </p:nvPr>
+        </p:nvSpPr>
+        <p:spPr>
+          <a:xfrm>
+            <a:off x="0" y="0"/>
+            <a:ext cx="9141714" cy="6858000"/>
+          </a:xfrm>
+          <a:prstGeom prst="rect">
+            <a:avLst/>
+          </a:prstGeom>
+          <a:ln>
+            <a:noFill/>
+          </a:ln>
+        </p:spPr>
+        <p:style>
+          <a:lnRef idx="2">
+            <a:schemeClr val="accent1">
+              <a:shade val="50000"/>
+            </a:schemeClr>
+          </a:lnRef>
+          <a:fillRef idx="1">
+            <a:schemeClr val="accent1"/>
+          </a:fillRef>
+          <a:effectRef idx="0">
+            <a:schemeClr val="accent1"/>
+          </a:effectRef>
+          <a:fontRef idx="minor">
+            <a:schemeClr val="lt1"/>
+          </a:fontRef>
+        </p:style>
+        <p:txBody>
+          <a:bodyPr rtlCol="0" anchor="ctr"/>
+          <a:lstStyle/>
+          <a:p>
+            <a:pPr algn="ctr"/>
+            <a:endParaRPr lang="en-US"/>
+          </a:p>
+        </p:txBody>
+      </p:sp>
+      <p:sp>
+        <p:nvSpPr>
+          <p:cNvPr id="2" name="Title 1">
+            <a:extLst>
+              <a:ext uri="{FF2B5EF4-FFF2-40B4-BE49-F238E27FC236}">
+                <a16:creationId xmlns:a16="http://schemas.microsoft.com/office/drawing/2014/main" id="{68BA98F0-8111-A94B-8CB1-D9CC45EDAC1B}"/>
+              </a:ext>
+            </a:extLst>
+          </p:cNvPr>
+          <p:cNvSpPr>
+            <a:spLocks noGrp="1"/>
+          </p:cNvSpPr>
+          <p:nvPr>
+            <p:ph type="ctrTitle"/>
+          </p:nvPr>
+        </p:nvSpPr>
+        <p:spPr>
+          <a:xfrm>
+            <a:off x="3738416" y="-235514"/>
+            <a:ext cx="4688333" cy="3566160"/>
+          </a:xfrm>
+        </p:spPr>
+        <p:txBody>
+          <a:bodyPr anchor="b">
+            <a:normAutofit/>
+          </a:bodyPr>
+          <a:lstStyle/>
+          <a:p>
+            <a:pPr algn="l"/>
+            <a:r>
+              <a:rPr lang="en-US" sz="4000" b="1" dirty="0" err="1"/>
+              <a:t>Herbariomics</a:t>
+            </a:r>
+            <a:r>
+              <a:rPr lang="en-US" sz="4000" b="1" dirty="0"/>
+              <a:t>-based biodiversity research: from specimen to phylogeny</a:t>
+            </a:r>
+            <a:endParaRPr lang="en-US" sz="4000" dirty="0"/>
+          </a:p>
+        </p:txBody>
+      </p:sp>
+      <p:sp>
+        <p:nvSpPr>
+          <p:cNvPr id="3" name="Subtitle 2">
+            <a:extLst>
+              <a:ext uri="{FF2B5EF4-FFF2-40B4-BE49-F238E27FC236}">
+                <a16:creationId xmlns:a16="http://schemas.microsoft.com/office/drawing/2014/main" id="{6A38C601-57FB-9242-A670-135598C00798}"/>
+              </a:ext>
+            </a:extLst>
+          </p:cNvPr>
+          <p:cNvSpPr>
+            <a:spLocks noGrp="1"/>
+          </p:cNvSpPr>
+          <p:nvPr>
+            <p:ph type="subTitle" idx="1"/>
+          </p:nvPr>
+        </p:nvSpPr>
+        <p:spPr>
+          <a:xfrm>
+            <a:off x="3826640" y="4005813"/>
+            <a:ext cx="5168519" cy="1572768"/>
+          </a:xfrm>
+        </p:spPr>
+        <p:txBody>
+          <a:bodyPr>
+            <a:normAutofit fontScale="92500" lnSpcReduction="10000"/>
+          </a:bodyPr>
+          <a:lstStyle/>
+          <a:p>
+            <a:pPr algn="l"/>
+            <a:r>
+              <a:rPr lang="en-US" sz="1600" dirty="0"/>
+              <a:t>Botany 2021 workshop</a:t>
+            </a:r>
+          </a:p>
+          <a:p>
+            <a:pPr algn="l"/>
+            <a:endParaRPr lang="en-US" sz="1600" dirty="0"/>
+          </a:p>
+          <a:p>
+            <a:pPr algn="l"/>
+            <a:r>
+              <a:rPr lang="en-US" sz="1600" dirty="0"/>
+              <a:t>Liming Cai (UC Riverside </a:t>
+            </a:r>
+            <a:r>
+              <a:rPr lang="en-US" sz="1600" dirty="0">
+                <a:hlinkClick r:id="rId2"/>
+              </a:rPr>
+              <a:t>daybreak.chua@gmail.com</a:t>
+            </a:r>
+            <a:r>
+              <a:rPr lang="en-US" sz="1600" dirty="0"/>
+              <a:t>); </a:t>
+            </a:r>
+          </a:p>
+          <a:p>
+            <a:pPr algn="l"/>
+            <a:r>
+              <a:rPr lang="en-US" sz="1600" dirty="0" err="1"/>
+              <a:t>Hongrui</a:t>
+            </a:r>
+            <a:r>
+              <a:rPr lang="en-US" sz="1600" dirty="0"/>
+              <a:t> Zhang (Harvard University </a:t>
+            </a:r>
+            <a:r>
+              <a:rPr lang="en-US" sz="1600" dirty="0">
+                <a:hlinkClick r:id="rId3"/>
+              </a:rPr>
+              <a:t>zhanghr0429@gmail.com</a:t>
+            </a:r>
+            <a:r>
+              <a:rPr lang="en-US" sz="1600" dirty="0"/>
+              <a:t>);</a:t>
+            </a:r>
+          </a:p>
+          <a:p>
+            <a:pPr algn="l"/>
+            <a:r>
+              <a:rPr lang="en-US" sz="1600" dirty="0"/>
+              <a:t>Charles C Davis (Harvard University </a:t>
+            </a:r>
+            <a:r>
+              <a:rPr lang="en-US" sz="1600" dirty="0">
+                <a:hlinkClick r:id="rId4"/>
+              </a:rPr>
+              <a:t>cdavis@oeb.harvard.edu</a:t>
+            </a:r>
+            <a:r>
+              <a:rPr lang="en-US" sz="1600" dirty="0"/>
+              <a:t>)</a:t>
+            </a:r>
+          </a:p>
+        </p:txBody>
+      </p:sp>
+      <p:pic>
+        <p:nvPicPr>
+          <p:cNvPr id="1026" name="Picture 2">
+            <a:extLst>
+              <a:ext uri="{FF2B5EF4-FFF2-40B4-BE49-F238E27FC236}">
+                <a16:creationId xmlns:a16="http://schemas.microsoft.com/office/drawing/2014/main" id="{1BC3E15C-2B89-3043-B293-CBD34BCC56DC}"/>
+              </a:ext>
+            </a:extLst>
+          </p:cNvPr>
+          <p:cNvPicPr>
+            <a:picLocks noChangeAspect="1" noChangeArrowheads="1"/>
+          </p:cNvPicPr>
+          <p:nvPr/>
+        </p:nvPicPr>
+        <p:blipFill rotWithShape="1">
+          <a:blip r:embed="rId5">
+            <a:extLst>
+              <a:ext uri="{28A0092B-C50C-407E-A947-70E740481C1C}">
+                <a14:useLocalDpi xmlns:a14="http://schemas.microsoft.com/office/drawing/2010/main" val="0"/>
+              </a:ext>
+            </a:extLst>
+          </a:blip>
+          <a:srcRect l="6243" r="15996"/>
+          <a:stretch/>
+        </p:blipFill>
+        <p:spPr bwMode="auto">
+          <a:xfrm>
+            <a:off x="20" y="10"/>
+            <a:ext cx="3492988" cy="6857990"/>
+          </a:xfrm>
+          <a:custGeom>
+            <a:avLst/>
+            <a:gdLst/>
+            <a:ahLst/>
+            <a:cxnLst/>
+            <a:rect l="l" t="t" r="r" b="b"/>
+            <a:pathLst>
+              <a:path w="4657344" h="6858000">
+                <a:moveTo>
+                  <a:pt x="0" y="0"/>
+                </a:moveTo>
+                <a:lnTo>
+                  <a:pt x="3429755" y="0"/>
+                </a:lnTo>
+                <a:lnTo>
+                  <a:pt x="3526016" y="148742"/>
+                </a:lnTo>
+                <a:cubicBezTo>
+                  <a:pt x="3657740" y="365513"/>
+                  <a:pt x="3777402" y="589569"/>
+                  <a:pt x="3886489" y="819975"/>
+                </a:cubicBezTo>
+                <a:cubicBezTo>
+                  <a:pt x="3891856" y="833492"/>
+                  <a:pt x="3900663" y="845393"/>
+                  <a:pt x="3912049" y="854514"/>
+                </a:cubicBezTo>
+                <a:cubicBezTo>
+                  <a:pt x="3897352" y="819849"/>
+                  <a:pt x="3883037" y="784928"/>
+                  <a:pt x="3868083" y="750263"/>
+                </a:cubicBezTo>
+                <a:cubicBezTo>
+                  <a:pt x="3806989" y="608712"/>
+                  <a:pt x="3742478" y="469145"/>
+                  <a:pt x="3674155" y="331786"/>
+                </a:cubicBezTo>
+                <a:lnTo>
+                  <a:pt x="3496656" y="0"/>
+                </a:lnTo>
+                <a:lnTo>
+                  <a:pt x="3554371" y="0"/>
+                </a:lnTo>
+                <a:lnTo>
+                  <a:pt x="3661621" y="196614"/>
+                </a:lnTo>
+                <a:cubicBezTo>
+                  <a:pt x="3856899" y="573253"/>
+                  <a:pt x="4021071" y="966066"/>
+                  <a:pt x="4161279" y="1371196"/>
+                </a:cubicBezTo>
+                <a:cubicBezTo>
+                  <a:pt x="4379525" y="2007265"/>
+                  <a:pt x="4530141" y="2664286"/>
+                  <a:pt x="4610660" y="3331516"/>
+                </a:cubicBezTo>
+                <a:cubicBezTo>
+                  <a:pt x="4652837" y="3672965"/>
+                  <a:pt x="4671625" y="4013908"/>
+                  <a:pt x="4645040" y="4357388"/>
+                </a:cubicBezTo>
+                <a:cubicBezTo>
+                  <a:pt x="4613599" y="4758899"/>
+                  <a:pt x="4566181" y="5157998"/>
+                  <a:pt x="4485789" y="5552906"/>
+                </a:cubicBezTo>
+                <a:cubicBezTo>
+                  <a:pt x="4397121" y="5988893"/>
+                  <a:pt x="4276748" y="6414594"/>
+                  <a:pt x="4117769" y="6828295"/>
+                </a:cubicBezTo>
+                <a:lnTo>
+                  <a:pt x="4105288" y="6858000"/>
+                </a:lnTo>
+                <a:lnTo>
+                  <a:pt x="4052520" y="6858000"/>
+                </a:lnTo>
+                <a:lnTo>
+                  <a:pt x="4059369" y="6841549"/>
+                </a:lnTo>
+                <a:cubicBezTo>
+                  <a:pt x="4147276" y="6614016"/>
+                  <a:pt x="4224193" y="6380817"/>
+                  <a:pt x="4291518" y="6142729"/>
+                </a:cubicBezTo>
+                <a:cubicBezTo>
+                  <a:pt x="4350055" y="5935370"/>
+                  <a:pt x="4393256" y="5723695"/>
+                  <a:pt x="4443357" y="5513923"/>
+                </a:cubicBezTo>
+                <a:cubicBezTo>
+                  <a:pt x="4444541" y="5502788"/>
+                  <a:pt x="4445137" y="5491601"/>
+                  <a:pt x="4445146" y="5480401"/>
+                </a:cubicBezTo>
+                <a:cubicBezTo>
+                  <a:pt x="4408465" y="5607635"/>
+                  <a:pt x="4379196" y="5719759"/>
+                  <a:pt x="4344559" y="5830359"/>
+                </a:cubicBezTo>
+                <a:cubicBezTo>
+                  <a:pt x="4254261" y="6118381"/>
+                  <a:pt x="4150112" y="6398531"/>
+                  <a:pt x="4031702" y="6670527"/>
+                </a:cubicBezTo>
+                <a:lnTo>
+                  <a:pt x="3943824" y="6858000"/>
+                </a:lnTo>
+                <a:lnTo>
+                  <a:pt x="0" y="6858000"/>
+                </a:lnTo>
+                <a:close/>
+              </a:path>
+            </a:pathLst>
+          </a:custGeom>
+          <a:noFill/>
+          <a:extLst>
+            <a:ext uri="{909E8E84-426E-40DD-AFC4-6F175D3DCCD1}">
+              <a14:hiddenFill xmlns:a14="http://schemas.microsoft.com/office/drawing/2010/main">
+                <a:solidFill>
+                  <a:srgbClr val="FFFFFF"/>
+                </a:solidFill>
+              </a14:hiddenFill>
+            </a:ext>
+          </a:extLst>
+        </p:spPr>
+      </p:pic>
+      <p:sp>
+        <p:nvSpPr>
+          <p:cNvPr id="73" name="sketchy line">
+            <a:extLst>
+              <a:ext uri="{FF2B5EF4-FFF2-40B4-BE49-F238E27FC236}">
+                <a16:creationId xmlns:a16="http://schemas.microsoft.com/office/drawing/2014/main" id="{F49775AF-8896-43EE-92C6-83497D6DC56F}"/>
+              </a:ext>
+              <a:ext uri="{C183D7F6-B498-43B3-948B-1728B52AA6E4}">
+                <adec:decorative xmlns:adec="http://schemas.microsoft.com/office/drawing/2017/decorative" val="1"/>
+              </a:ext>
+            </a:extLst>
+          </p:cNvPr>
+          <p:cNvSpPr>
+            <a:spLocks noGrp="1" noRot="1" noChangeAspect="1" noMove="1" noResize="1" noEditPoints="1" noAdjustHandles="1" noChangeArrowheads="1" noChangeShapeType="1" noTextEdit="1"/>
+          </p:cNvSpPr>
+          <p:nvPr>
+            <p:extLst>
+              <p:ext uri="{386F3935-93C4-4BCD-93E2-E3B085C9AB24}">
+                <p16:designElem xmlns:p16="http://schemas.microsoft.com/office/powerpoint/2015/main" val="1"/>
+              </p:ext>
+            </p:extLst>
+          </p:nvPr>
+        </p:nvSpPr>
+        <p:spPr>
+          <a:xfrm>
+            <a:off x="4059646" y="4409267"/>
+            <a:ext cx="3182692" cy="18288"/>
+          </a:xfrm>
+          <a:custGeom>
+            <a:avLst/>
+            <a:gdLst>
+              <a:gd name="connsiteX0" fmla="*/ 0 w 3182692"/>
+              <a:gd name="connsiteY0" fmla="*/ 0 h 18288"/>
+              <a:gd name="connsiteX1" fmla="*/ 604711 w 3182692"/>
+              <a:gd name="connsiteY1" fmla="*/ 0 h 18288"/>
+              <a:gd name="connsiteX2" fmla="*/ 1241250 w 3182692"/>
+              <a:gd name="connsiteY2" fmla="*/ 0 h 18288"/>
+              <a:gd name="connsiteX3" fmla="*/ 1909615 w 3182692"/>
+              <a:gd name="connsiteY3" fmla="*/ 0 h 18288"/>
+              <a:gd name="connsiteX4" fmla="*/ 2577981 w 3182692"/>
+              <a:gd name="connsiteY4" fmla="*/ 0 h 18288"/>
+              <a:gd name="connsiteX5" fmla="*/ 3182692 w 3182692"/>
+              <a:gd name="connsiteY5" fmla="*/ 0 h 18288"/>
+              <a:gd name="connsiteX6" fmla="*/ 3182692 w 3182692"/>
+              <a:gd name="connsiteY6" fmla="*/ 18288 h 18288"/>
+              <a:gd name="connsiteX7" fmla="*/ 2482500 w 3182692"/>
+              <a:gd name="connsiteY7" fmla="*/ 18288 h 18288"/>
+              <a:gd name="connsiteX8" fmla="*/ 1782308 w 3182692"/>
+              <a:gd name="connsiteY8" fmla="*/ 18288 h 18288"/>
+              <a:gd name="connsiteX9" fmla="*/ 1145769 w 3182692"/>
+              <a:gd name="connsiteY9" fmla="*/ 18288 h 18288"/>
+              <a:gd name="connsiteX10" fmla="*/ 0 w 3182692"/>
+              <a:gd name="connsiteY10" fmla="*/ 18288 h 18288"/>
+              <a:gd name="connsiteX11" fmla="*/ 0 w 3182692"/>
+              <a:gd name="connsiteY11" fmla="*/ 0 h 18288"/>
+              <a:gd name="connsiteX0" fmla="*/ 0 w 3182692"/>
+              <a:gd name="connsiteY0" fmla="*/ 0 h 18288"/>
+              <a:gd name="connsiteX1" fmla="*/ 604711 w 3182692"/>
+              <a:gd name="connsiteY1" fmla="*/ 0 h 18288"/>
+              <a:gd name="connsiteX2" fmla="*/ 1145769 w 3182692"/>
+              <a:gd name="connsiteY2" fmla="*/ 0 h 18288"/>
+              <a:gd name="connsiteX3" fmla="*/ 1845961 w 3182692"/>
+              <a:gd name="connsiteY3" fmla="*/ 0 h 18288"/>
+              <a:gd name="connsiteX4" fmla="*/ 2450673 w 3182692"/>
+              <a:gd name="connsiteY4" fmla="*/ 0 h 18288"/>
+              <a:gd name="connsiteX5" fmla="*/ 3182692 w 3182692"/>
+              <a:gd name="connsiteY5" fmla="*/ 0 h 18288"/>
+              <a:gd name="connsiteX6" fmla="*/ 3182692 w 3182692"/>
+              <a:gd name="connsiteY6" fmla="*/ 18288 h 18288"/>
+              <a:gd name="connsiteX7" fmla="*/ 2546154 w 3182692"/>
+              <a:gd name="connsiteY7" fmla="*/ 18288 h 18288"/>
+              <a:gd name="connsiteX8" fmla="*/ 1845961 w 3182692"/>
+              <a:gd name="connsiteY8" fmla="*/ 18288 h 18288"/>
+              <a:gd name="connsiteX9" fmla="*/ 1304904 w 3182692"/>
+              <a:gd name="connsiteY9" fmla="*/ 18288 h 18288"/>
+              <a:gd name="connsiteX10" fmla="*/ 668365 w 3182692"/>
+              <a:gd name="connsiteY10" fmla="*/ 18288 h 18288"/>
+              <a:gd name="connsiteX11" fmla="*/ 0 w 3182692"/>
+              <a:gd name="connsiteY11" fmla="*/ 18288 h 18288"/>
+              <a:gd name="connsiteX12" fmla="*/ 0 w 3182692"/>
+              <a:gd name="connsiteY12" fmla="*/ 0 h 18288"/>
+            </a:gdLst>
+            <a:ahLst/>
+            <a:cxnLst>
+              <a:cxn ang="0">
+                <a:pos x="connsiteX0" y="connsiteY0"/>
+              </a:cxn>
+              <a:cxn ang="0">
+                <a:pos x="connsiteX1" y="connsiteY1"/>
+              </a:cxn>
+              <a:cxn ang="0">
+                <a:pos x="connsiteX2" y="connsiteY2"/>
+              </a:cxn>
+              <a:cxn ang="0">
+                <a:pos x="connsiteX3" y="connsiteY3"/>
+              </a:cxn>
+              <a:cxn ang="0">
+                <a:pos x="connsiteX4" y="connsiteY4"/>
+              </a:cxn>
+              <a:cxn ang="0">
+                <a:pos x="connsiteX5" y="connsiteY5"/>
+              </a:cxn>
+              <a:cxn ang="0">
+                <a:pos x="connsiteX6" y="connsiteY6"/>
+              </a:cxn>
+              <a:cxn ang="0">
+                <a:pos x="connsiteX7" y="connsiteY7"/>
+              </a:cxn>
+              <a:cxn ang="0">
+                <a:pos x="connsiteX8" y="connsiteY8"/>
+              </a:cxn>
+              <a:cxn ang="0">
+                <a:pos x="connsiteX9" y="connsiteY9"/>
+              </a:cxn>
+              <a:cxn ang="0">
+                <a:pos x="connsiteX10" y="connsiteY10"/>
+              </a:cxn>
+              <a:cxn ang="0">
+                <a:pos x="connsiteX11" y="connsiteY11"/>
+              </a:cxn>
+              <a:cxn ang="0">
+                <a:pos x="connsiteX12" y="connsiteY12"/>
+              </a:cxn>
+            </a:cxnLst>
+            <a:rect l="l" t="t" r="r" b="b"/>
+            <a:pathLst>
+              <a:path w="3182692" h="18288" fill="none" extrusionOk="0">
+                <a:moveTo>
+                  <a:pt x="0" y="0"/>
+                </a:moveTo>
+                <a:cubicBezTo>
+                  <a:pt x="145195" y="-37571"/>
+                  <a:pt x="472618" y="-13696"/>
+                  <a:pt x="604711" y="0"/>
+                </a:cubicBezTo>
+                <a:cubicBezTo>
+                  <a:pt x="706652" y="-3280"/>
+                  <a:pt x="1039328" y="-8567"/>
+                  <a:pt x="1241250" y="0"/>
+                </a:cubicBezTo>
+                <a:cubicBezTo>
+                  <a:pt x="1405712" y="-7891"/>
+                  <a:pt x="1711158" y="8053"/>
+                  <a:pt x="1909615" y="0"/>
+                </a:cubicBezTo>
+                <a:cubicBezTo>
+                  <a:pt x="2107436" y="-40150"/>
+                  <a:pt x="2247192" y="19443"/>
+                  <a:pt x="2577981" y="0"/>
+                </a:cubicBezTo>
+                <a:cubicBezTo>
+                  <a:pt x="2894393" y="-5855"/>
+                  <a:pt x="3041563" y="17846"/>
+                  <a:pt x="3182692" y="0"/>
+                </a:cubicBezTo>
+                <a:cubicBezTo>
+                  <a:pt x="3181973" y="8390"/>
+                  <a:pt x="3182735" y="11854"/>
+                  <a:pt x="3182692" y="18288"/>
+                </a:cubicBezTo>
+                <a:cubicBezTo>
+                  <a:pt x="2975928" y="57450"/>
+                  <a:pt x="2667693" y="19406"/>
+                  <a:pt x="2482500" y="18288"/>
+                </a:cubicBezTo>
+                <a:cubicBezTo>
+                  <a:pt x="2299734" y="36912"/>
+                  <a:pt x="1925962" y="9303"/>
+                  <a:pt x="1782308" y="18288"/>
+                </a:cubicBezTo>
+                <a:cubicBezTo>
+                  <a:pt x="1635580" y="20546"/>
+                  <a:pt x="1257854" y="-3663"/>
+                  <a:pt x="1145769" y="18288"/>
+                </a:cubicBezTo>
+                <a:cubicBezTo>
+                  <a:pt x="1025065" y="56574"/>
+                  <a:pt x="247799" y="-11536"/>
+                  <a:pt x="0" y="18288"/>
+                </a:cubicBezTo>
+                <a:cubicBezTo>
+                  <a:pt x="-405" y="13204"/>
+                  <a:pt x="-1092" y="5311"/>
+                  <a:pt x="0" y="0"/>
+                </a:cubicBezTo>
+                <a:close/>
+              </a:path>
+              <a:path w="3182692" h="18288" stroke="0" extrusionOk="0">
+                <a:moveTo>
+                  <a:pt x="0" y="0"/>
+                </a:moveTo>
+                <a:cubicBezTo>
+                  <a:pt x="288308" y="19724"/>
+                  <a:pt x="431183" y="-26509"/>
+                  <a:pt x="604711" y="0"/>
+                </a:cubicBezTo>
+                <a:cubicBezTo>
+                  <a:pt x="795174" y="4405"/>
+                  <a:pt x="950067" y="22541"/>
+                  <a:pt x="1145769" y="0"/>
+                </a:cubicBezTo>
+                <a:cubicBezTo>
+                  <a:pt x="1301850" y="7702"/>
+                  <a:pt x="1499974" y="-70469"/>
+                  <a:pt x="1845961" y="0"/>
+                </a:cubicBezTo>
+                <a:cubicBezTo>
+                  <a:pt x="2191264" y="15313"/>
+                  <a:pt x="2307232" y="-97"/>
+                  <a:pt x="2450673" y="0"/>
+                </a:cubicBezTo>
+                <a:cubicBezTo>
+                  <a:pt x="2596405" y="-19465"/>
+                  <a:pt x="3033067" y="-31048"/>
+                  <a:pt x="3182692" y="0"/>
+                </a:cubicBezTo>
+                <a:cubicBezTo>
+                  <a:pt x="3182066" y="4696"/>
+                  <a:pt x="3183370" y="10269"/>
+                  <a:pt x="3182692" y="18288"/>
+                </a:cubicBezTo>
+                <a:cubicBezTo>
+                  <a:pt x="3091120" y="-23022"/>
+                  <a:pt x="2811074" y="61693"/>
+                  <a:pt x="2546154" y="18288"/>
+                </a:cubicBezTo>
+                <a:cubicBezTo>
+                  <a:pt x="2285186" y="27529"/>
+                  <a:pt x="2090205" y="-22321"/>
+                  <a:pt x="1845961" y="18288"/>
+                </a:cubicBezTo>
+                <a:cubicBezTo>
+                  <a:pt x="1599794" y="31493"/>
+                  <a:pt x="1466284" y="37447"/>
+                  <a:pt x="1304904" y="18288"/>
+                </a:cubicBezTo>
+                <a:cubicBezTo>
+                  <a:pt x="1189365" y="43775"/>
+                  <a:pt x="952251" y="23461"/>
+                  <a:pt x="668365" y="18288"/>
+                </a:cubicBezTo>
+                <a:cubicBezTo>
+                  <a:pt x="407868" y="43595"/>
+                  <a:pt x="284672" y="-9405"/>
+                  <a:pt x="0" y="18288"/>
+                </a:cubicBezTo>
+                <a:cubicBezTo>
+                  <a:pt x="527" y="9891"/>
+                  <a:pt x="870" y="7012"/>
+                  <a:pt x="0" y="0"/>
+                </a:cubicBezTo>
+                <a:close/>
+              </a:path>
+              <a:path w="3182692" h="18288" fill="none" stroke="0" extrusionOk="0">
+                <a:moveTo>
+                  <a:pt x="0" y="0"/>
+                </a:moveTo>
+                <a:cubicBezTo>
+                  <a:pt x="108839" y="-32375"/>
+                  <a:pt x="447732" y="16552"/>
+                  <a:pt x="604711" y="0"/>
+                </a:cubicBezTo>
+                <a:cubicBezTo>
+                  <a:pt x="781899" y="-548"/>
+                  <a:pt x="1052060" y="7118"/>
+                  <a:pt x="1241250" y="0"/>
+                </a:cubicBezTo>
+                <a:cubicBezTo>
+                  <a:pt x="1399482" y="14083"/>
+                  <a:pt x="1706293" y="54730"/>
+                  <a:pt x="1909615" y="0"/>
+                </a:cubicBezTo>
+                <a:cubicBezTo>
+                  <a:pt x="2085313" y="-24404"/>
+                  <a:pt x="2264415" y="16988"/>
+                  <a:pt x="2577981" y="0"/>
+                </a:cubicBezTo>
+                <a:cubicBezTo>
+                  <a:pt x="2926098" y="-10318"/>
+                  <a:pt x="3036314" y="-14769"/>
+                  <a:pt x="3182692" y="0"/>
+                </a:cubicBezTo>
+                <a:cubicBezTo>
+                  <a:pt x="3181841" y="8135"/>
+                  <a:pt x="3181636" y="12730"/>
+                  <a:pt x="3182692" y="18288"/>
+                </a:cubicBezTo>
+                <a:cubicBezTo>
+                  <a:pt x="2996012" y="-1231"/>
+                  <a:pt x="2669008" y="27395"/>
+                  <a:pt x="2482500" y="18288"/>
+                </a:cubicBezTo>
+                <a:cubicBezTo>
+                  <a:pt x="2296543" y="21246"/>
+                  <a:pt x="1935236" y="7938"/>
+                  <a:pt x="1782308" y="18288"/>
+                </a:cubicBezTo>
+                <a:cubicBezTo>
+                  <a:pt x="1607683" y="25490"/>
+                  <a:pt x="1291498" y="1369"/>
+                  <a:pt x="1145769" y="18288"/>
+                </a:cubicBezTo>
+                <a:cubicBezTo>
+                  <a:pt x="1015407" y="55325"/>
+                  <a:pt x="262557" y="26571"/>
+                  <a:pt x="0" y="18288"/>
+                </a:cubicBezTo>
+                <a:cubicBezTo>
+                  <a:pt x="508" y="13336"/>
+                  <a:pt x="437" y="7274"/>
+                  <a:pt x="0" y="0"/>
+                </a:cubicBezTo>
+                <a:close/>
+              </a:path>
+            </a:pathLst>
+          </a:custGeom>
+          <a:solidFill>
+            <a:schemeClr val="accent2"/>
+          </a:solidFill>
+          <a:ln w="44450" cap="rnd">
+            <a:solidFill>
+              <a:schemeClr val="accent2"/>
+            </a:solidFill>
+            <a:round/>
+            <a:extLst>
+              <a:ext uri="{C807C97D-BFC1-408E-A445-0C87EB9F89A2}">
+                <ask:lineSketchStyleProps xmlns:ask="http://schemas.microsoft.com/office/drawing/2018/sketchyshapes" sd="1219033472">
+                  <a:custGeom>
+                    <a:avLst/>
+                    <a:gdLst>
+                      <a:gd name="connsiteX0" fmla="*/ 0 w 3182692"/>
+                      <a:gd name="connsiteY0" fmla="*/ 0 h 18288"/>
+                      <a:gd name="connsiteX1" fmla="*/ 604711 w 3182692"/>
+                      <a:gd name="connsiteY1" fmla="*/ 0 h 18288"/>
+                      <a:gd name="connsiteX2" fmla="*/ 1241250 w 3182692"/>
+                      <a:gd name="connsiteY2" fmla="*/ 0 h 18288"/>
+                      <a:gd name="connsiteX3" fmla="*/ 1909615 w 3182692"/>
+                      <a:gd name="connsiteY3" fmla="*/ 0 h 18288"/>
+                      <a:gd name="connsiteX4" fmla="*/ 2577981 w 3182692"/>
+                      <a:gd name="connsiteY4" fmla="*/ 0 h 18288"/>
+                      <a:gd name="connsiteX5" fmla="*/ 3182692 w 3182692"/>
+                      <a:gd name="connsiteY5" fmla="*/ 0 h 18288"/>
+                      <a:gd name="connsiteX6" fmla="*/ 3182692 w 3182692"/>
+                      <a:gd name="connsiteY6" fmla="*/ 18288 h 18288"/>
+                      <a:gd name="connsiteX7" fmla="*/ 2482500 w 3182692"/>
+                      <a:gd name="connsiteY7" fmla="*/ 18288 h 18288"/>
+                      <a:gd name="connsiteX8" fmla="*/ 1782308 w 3182692"/>
+                      <a:gd name="connsiteY8" fmla="*/ 18288 h 18288"/>
+                      <a:gd name="connsiteX9" fmla="*/ 1145769 w 3182692"/>
+                      <a:gd name="connsiteY9" fmla="*/ 18288 h 18288"/>
+                      <a:gd name="connsiteX10" fmla="*/ 0 w 3182692"/>
+                      <a:gd name="connsiteY10" fmla="*/ 18288 h 18288"/>
+                      <a:gd name="connsiteX11" fmla="*/ 0 w 3182692"/>
+                      <a:gd name="connsiteY11" fmla="*/ 0 h 18288"/>
+                    </a:gdLst>
+                    <a:ahLst/>
+                    <a:cxnLst>
+                      <a:cxn ang="0">
+                        <a:pos x="connsiteX0" y="connsiteY0"/>
+                      </a:cxn>
+                      <a:cxn ang="0">
+                        <a:pos x="connsiteX1" y="connsiteY1"/>
+                      </a:cxn>
+                      <a:cxn ang="0">
+                        <a:pos x="connsiteX2" y="connsiteY2"/>
+                      </a:cxn>
+                      <a:cxn ang="0">
+                        <a:pos x="connsiteX3" y="connsiteY3"/>
+                      </a:cxn>
+                      <a:cxn ang="0">
+                        <a:pos x="connsiteX4" y="connsiteY4"/>
+                      </a:cxn>
+                      <a:cxn ang="0">
+                        <a:pos x="connsiteX5" y="connsiteY5"/>
+                      </a:cxn>
+                      <a:cxn ang="0">
+                        <a:pos x="connsiteX6" y="connsiteY6"/>
+                      </a:cxn>
+                      <a:cxn ang="0">
+                        <a:pos x="connsiteX7" y="connsiteY7"/>
+                      </a:cxn>
+                      <a:cxn ang="0">
+                        <a:pos x="connsiteX8" y="connsiteY8"/>
+                      </a:cxn>
+                      <a:cxn ang="0">
+                        <a:pos x="connsiteX9" y="connsiteY9"/>
+                      </a:cxn>
+                      <a:cxn ang="0">
+                        <a:pos x="connsiteX10" y="connsiteY10"/>
+                      </a:cxn>
+                      <a:cxn ang="0">
+                        <a:pos x="connsiteX11" y="connsiteY11"/>
+                      </a:cxn>
+                    </a:cxnLst>
+                    <a:rect l="l" t="t" r="r" b="b"/>
+                    <a:pathLst>
+                      <a:path w="3182692" h="18288" fill="none" extrusionOk="0">
+                        <a:moveTo>
+                          <a:pt x="0" y="0"/>
+                        </a:moveTo>
+                        <a:cubicBezTo>
+                          <a:pt x="126686" y="-21366"/>
+                          <a:pt x="467788" y="9025"/>
+                          <a:pt x="604711" y="0"/>
+                        </a:cubicBezTo>
+                        <a:cubicBezTo>
+                          <a:pt x="741634" y="-9025"/>
+                          <a:pt x="1061620" y="6814"/>
+                          <a:pt x="1241250" y="0"/>
+                        </a:cubicBezTo>
+                        <a:cubicBezTo>
+                          <a:pt x="1420880" y="-6814"/>
+                          <a:pt x="1713773" y="13383"/>
+                          <a:pt x="1909615" y="0"/>
+                        </a:cubicBezTo>
+                        <a:cubicBezTo>
+                          <a:pt x="2105457" y="-13383"/>
+                          <a:pt x="2257256" y="13567"/>
+                          <a:pt x="2577981" y="0"/>
+                        </a:cubicBezTo>
+                        <a:cubicBezTo>
+                          <a:pt x="2898706" y="-13567"/>
+                          <a:pt x="3026063" y="6328"/>
+                          <a:pt x="3182692" y="0"/>
+                        </a:cubicBezTo>
+                        <a:cubicBezTo>
+                          <a:pt x="3181983" y="8157"/>
+                          <a:pt x="3182279" y="12125"/>
+                          <a:pt x="3182692" y="18288"/>
+                        </a:cubicBezTo>
+                        <a:cubicBezTo>
+                          <a:pt x="2998421" y="21742"/>
+                          <a:pt x="2675038" y="19014"/>
+                          <a:pt x="2482500" y="18288"/>
+                        </a:cubicBezTo>
+                        <a:cubicBezTo>
+                          <a:pt x="2289962" y="17562"/>
+                          <a:pt x="1930644" y="6834"/>
+                          <a:pt x="1782308" y="18288"/>
+                        </a:cubicBezTo>
+                        <a:cubicBezTo>
+                          <a:pt x="1633972" y="29742"/>
+                          <a:pt x="1287388" y="-1992"/>
+                          <a:pt x="1145769" y="18288"/>
+                        </a:cubicBezTo>
+                        <a:cubicBezTo>
+                          <a:pt x="1004150" y="38568"/>
+                          <a:pt x="256377" y="-37438"/>
+                          <a:pt x="0" y="18288"/>
+                        </a:cubicBezTo>
+                        <a:cubicBezTo>
+                          <a:pt x="-46" y="12483"/>
+                          <a:pt x="-203" y="6491"/>
+                          <a:pt x="0" y="0"/>
+                        </a:cubicBezTo>
+                        <a:close/>
+                      </a:path>
+                      <a:path w="3182692" h="18288" stroke="0" extrusionOk="0">
+                        <a:moveTo>
+                          <a:pt x="0" y="0"/>
+                        </a:moveTo>
+                        <a:cubicBezTo>
+                          <a:pt x="283446" y="18201"/>
+                          <a:pt x="432812" y="7290"/>
+                          <a:pt x="604711" y="0"/>
+                        </a:cubicBezTo>
+                        <a:cubicBezTo>
+                          <a:pt x="776610" y="-7290"/>
+                          <a:pt x="982253" y="15478"/>
+                          <a:pt x="1145769" y="0"/>
+                        </a:cubicBezTo>
+                        <a:cubicBezTo>
+                          <a:pt x="1309285" y="-15478"/>
+                          <a:pt x="1514247" y="-25520"/>
+                          <a:pt x="1845961" y="0"/>
+                        </a:cubicBezTo>
+                        <a:cubicBezTo>
+                          <a:pt x="2177675" y="25520"/>
+                          <a:pt x="2297588" y="16646"/>
+                          <a:pt x="2450673" y="0"/>
+                        </a:cubicBezTo>
+                        <a:cubicBezTo>
+                          <a:pt x="2603758" y="-16646"/>
+                          <a:pt x="3023048" y="-21196"/>
+                          <a:pt x="3182692" y="0"/>
+                        </a:cubicBezTo>
+                        <a:cubicBezTo>
+                          <a:pt x="3182428" y="4493"/>
+                          <a:pt x="3183076" y="9472"/>
+                          <a:pt x="3182692" y="18288"/>
+                        </a:cubicBezTo>
+                        <a:cubicBezTo>
+                          <a:pt x="3039109" y="-12701"/>
+                          <a:pt x="2823860" y="13848"/>
+                          <a:pt x="2546154" y="18288"/>
+                        </a:cubicBezTo>
+                        <a:cubicBezTo>
+                          <a:pt x="2268448" y="22728"/>
+                          <a:pt x="2098674" y="5291"/>
+                          <a:pt x="1845961" y="18288"/>
+                        </a:cubicBezTo>
+                        <a:cubicBezTo>
+                          <a:pt x="1593248" y="31285"/>
+                          <a:pt x="1456743" y="27560"/>
+                          <a:pt x="1304904" y="18288"/>
+                        </a:cubicBezTo>
+                        <a:cubicBezTo>
+                          <a:pt x="1153065" y="9016"/>
+                          <a:pt x="947204" y="11126"/>
+                          <a:pt x="668365" y="18288"/>
+                        </a:cubicBezTo>
+                        <a:cubicBezTo>
+                          <a:pt x="389526" y="25450"/>
+                          <a:pt x="288244" y="-4628"/>
+                          <a:pt x="0" y="18288"/>
+                        </a:cubicBezTo>
+                        <a:cubicBezTo>
+                          <a:pt x="843" y="9577"/>
+                          <a:pt x="371" y="6900"/>
+                          <a:pt x="0" y="0"/>
+                        </a:cubicBezTo>
+                        <a:close/>
+                      </a:path>
+                    </a:pathLst>
+                  </a:custGeom>
+                  <ask:type>
+                    <ask:lineSketchFreehand/>
+                  </ask:type>
+                </ask:lineSketchStyleProps>
+              </a:ext>
+            </a:extLst>
+          </a:ln>
+        </p:spPr>
+        <p:style>
+          <a:lnRef idx="2">
+            <a:schemeClr val="accent1">
+              <a:shade val="50000"/>
+            </a:schemeClr>
+          </a:lnRef>
+          <a:fillRef idx="1">
+            <a:schemeClr val="accent1"/>
+          </a:fillRef>
+          <a:effectRef idx="0">
+            <a:schemeClr val="accent1"/>
+          </a:effectRef>
+          <a:fontRef idx="minor">
+            <a:schemeClr val="lt1"/>
+          </a:fontRef>
+        </p:style>
+        <p:txBody>
+          <a:bodyPr rtlCol="0" anchor="ctr"/>
+          <a:lstStyle/>
+          <a:p>
+            <a:pPr algn="ctr"/>
+            <a:endParaRPr lang="en-US"/>
+          </a:p>
+        </p:txBody>
+      </p:sp>
+    </p:spTree>
+    <p:extLst>
+      <p:ext uri="{BB962C8B-B14F-4D97-AF65-F5344CB8AC3E}">
+        <p14:creationId xmlns:p14="http://schemas.microsoft.com/office/powerpoint/2010/main" val="1694937183"/>
+      </p:ext>
+    </p:extLst>
+  </p:cSld>
+  <p:clrMapOvr>
+    <a:masterClrMapping/>
+  </p:clrMapOvr>
+</p:sld>
+</file>
+
+<file path=ppt/slides/slide2.xml><?xml version="1.0" encoding="utf-8"?>
+<p:sld xmlns:a="http://schemas.openxmlformats.org/drawingml/2006/main" xmlns:r="http://schemas.openxmlformats.org/officeDocument/2006/relationships" xmlns:p="http://schemas.openxmlformats.org/presentationml/2006/main">
+  <p:cSld>
+    <p:spTree>
+      <p:nvGrpSpPr>
+        <p:cNvPr id="1" name=""/>
+        <p:cNvGrpSpPr/>
+        <p:nvPr/>
+      </p:nvGrpSpPr>
+      <p:grpSpPr>
+        <a:xfrm>
+          <a:off x="0" y="0"/>
+          <a:ext cx="0" cy="0"/>
+          <a:chOff x="0" y="0"/>
+          <a:chExt cx="0" cy="0"/>
+        </a:xfrm>
+      </p:grpSpPr>
+      <p:sp>
+        <p:nvSpPr>
+          <p:cNvPr id="2" name="Title 1">
+            <a:extLst>
+              <a:ext uri="{FF2B5EF4-FFF2-40B4-BE49-F238E27FC236}">
+                <a16:creationId xmlns:a16="http://schemas.microsoft.com/office/drawing/2014/main" id="{3368102C-AD0D-4F48-BC3A-00A3282034D6}"/>
+              </a:ext>
+            </a:extLst>
+          </p:cNvPr>
+          <p:cNvSpPr>
+            <a:spLocks noGrp="1"/>
+          </p:cNvSpPr>
+          <p:nvPr>
+            <p:ph type="title"/>
+          </p:nvPr>
+        </p:nvSpPr>
+        <p:spPr/>
+        <p:txBody>
+          <a:bodyPr/>
+          <a:lstStyle/>
+          <a:p>
+            <a:endParaRPr lang="en-US"/>
+          </a:p>
+        </p:txBody>
+      </p:sp>
+      <p:sp>
+        <p:nvSpPr>
+          <p:cNvPr id="3" name="Content Placeholder 2">
+            <a:extLst>
+              <a:ext uri="{FF2B5EF4-FFF2-40B4-BE49-F238E27FC236}">
+                <a16:creationId xmlns:a16="http://schemas.microsoft.com/office/drawing/2014/main" id="{5B9CE468-8318-A144-9EC2-88B746C6DC7B}"/>
+              </a:ext>
+            </a:extLst>
+          </p:cNvPr>
+          <p:cNvSpPr>
+            <a:spLocks noGrp="1"/>
+          </p:cNvSpPr>
+          <p:nvPr>
+            <p:ph idx="1"/>
+          </p:nvPr>
+        </p:nvSpPr>
+        <p:spPr/>
+        <p:txBody>
+          <a:bodyPr/>
+          <a:lstStyle/>
+          <a:p>
+            <a:endParaRPr lang="en-US" dirty="0"/>
+          </a:p>
+        </p:txBody>
+      </p:sp>
+      <p:pic>
+        <p:nvPicPr>
+          <p:cNvPr id="2052" name="Picture 4">
+            <a:extLst>
+              <a:ext uri="{FF2B5EF4-FFF2-40B4-BE49-F238E27FC236}">
+                <a16:creationId xmlns:a16="http://schemas.microsoft.com/office/drawing/2014/main" id="{D8354DA9-11BA-B743-BE5D-4FE75067A95F}"/>
+              </a:ext>
+            </a:extLst>
+          </p:cNvPr>
+          <p:cNvPicPr>
+            <a:picLocks noChangeAspect="1" noChangeArrowheads="1"/>
+          </p:cNvPicPr>
+          <p:nvPr/>
+        </p:nvPicPr>
+        <p:blipFill rotWithShape="1">
+          <a:blip r:embed="rId2">
+            <a:extLst>
+              <a:ext uri="{28A0092B-C50C-407E-A947-70E740481C1C}">
+                <a14:useLocalDpi xmlns:a14="http://schemas.microsoft.com/office/drawing/2010/main" val="0"/>
+              </a:ext>
+            </a:extLst>
+          </a:blip>
+          <a:srcRect l="6216" r="4595" b="9931"/>
+          <a:stretch/>
+        </p:blipFill>
+        <p:spPr bwMode="auto">
+          <a:xfrm>
+            <a:off x="2308341" y="0"/>
+            <a:ext cx="4527317" cy="6858000"/>
+          </a:xfrm>
+          <a:prstGeom prst="rect">
+            <a:avLst/>
+          </a:prstGeom>
+          <a:noFill/>
+          <a:extLst>
+            <a:ext uri="{909E8E84-426E-40DD-AFC4-6F175D3DCCD1}">
+              <a14:hiddenFill xmlns:a14="http://schemas.microsoft.com/office/drawing/2010/main">
+                <a:solidFill>
+                  <a:srgbClr val="FFFFFF"/>
+                </a:solidFill>
+              </a14:hiddenFill>
+            </a:ext>
+          </a:extLst>
+        </p:spPr>
+      </p:pic>
+    </p:spTree>
+    <p:extLst>
+      <p:ext uri="{BB962C8B-B14F-4D97-AF65-F5344CB8AC3E}">
+        <p14:creationId xmlns:p14="http://schemas.microsoft.com/office/powerpoint/2010/main" val="4179329416"/>
+      </p:ext>
+    </p:extLst>
+  </p:cSld>
+  <p:clrMapOvr>
+    <a:masterClrMapping/>
+  </p:clrMapOvr>
+</p:sld>
+</file>
+
+<file path=ppt/slides/slide3.xml><?xml version="1.0" encoding="utf-8"?>
+<p:sld xmlns:a="http://schemas.openxmlformats.org/drawingml/2006/main" xmlns:r="http://schemas.openxmlformats.org/officeDocument/2006/relationships" xmlns:p="http://schemas.openxmlformats.org/presentationml/2006/main">
+  <p:cSld>
+    <p:spTree>
+      <p:nvGrpSpPr>
+        <p:cNvPr id="1" name=""/>
+        <p:cNvGrpSpPr/>
+        <p:nvPr/>
+      </p:nvGrpSpPr>
+      <p:grpSpPr>
+        <a:xfrm>
+          <a:off x="0" y="0"/>
+          <a:ext cx="0" cy="0"/>
+          <a:chOff x="0" y="0"/>
+          <a:chExt cx="0" cy="0"/>
+        </a:xfrm>
+      </p:grpSpPr>
       <p:sp>
         <p:nvSpPr>
           <p:cNvPr id="4" name="Right Arrow 3">
@@ -3335,8 +4061,8 @@
         </p:nvSpPr>
         <p:spPr>
           <a:xfrm>
-            <a:off x="2479964" y="2236470"/>
-            <a:ext cx="7138169" cy="960846"/>
+            <a:off x="1859973" y="2534602"/>
+            <a:ext cx="5353627" cy="720635"/>
           </a:xfrm>
           <a:prstGeom prst="rightArrow">
             <a:avLst/>
@@ -3378,7 +4104,7 @@
           <a:lstStyle/>
           <a:p>
             <a:pPr algn="ctr"/>
-            <a:endParaRPr lang="en-US" dirty="0"/>
+            <a:endParaRPr lang="en-US" sz="1350" dirty="0"/>
           </a:p>
         </p:txBody>
       </p:sp>
@@ -3396,8 +4122,8 @@
         </p:nvSpPr>
         <p:spPr>
           <a:xfrm>
-            <a:off x="5795590" y="2215367"/>
-            <a:ext cx="45719" cy="836468"/>
+            <a:off x="4346693" y="2518775"/>
+            <a:ext cx="34289" cy="627351"/>
           </a:xfrm>
           <a:prstGeom prst="rect">
             <a:avLst/>
@@ -3430,7 +4156,7 @@
           <a:lstStyle/>
           <a:p>
             <a:pPr algn="ctr"/>
-            <a:endParaRPr lang="en-US"/>
+            <a:endParaRPr lang="en-US" sz="1350"/>
           </a:p>
         </p:txBody>
       </p:sp>
@@ -3448,8 +4174,8 @@
         </p:nvSpPr>
         <p:spPr>
           <a:xfrm>
-            <a:off x="4406929" y="2215367"/>
-            <a:ext cx="45719" cy="836468"/>
+            <a:off x="3305197" y="2518775"/>
+            <a:ext cx="34289" cy="627351"/>
           </a:xfrm>
           <a:prstGeom prst="rect">
             <a:avLst/>
@@ -3482,7 +4208,7 @@
           <a:lstStyle/>
           <a:p>
             <a:pPr algn="ctr"/>
-            <a:endParaRPr lang="en-US"/>
+            <a:endParaRPr lang="en-US" sz="1350"/>
           </a:p>
         </p:txBody>
       </p:sp>
@@ -3500,8 +4226,8 @@
         </p:nvSpPr>
         <p:spPr>
           <a:xfrm>
-            <a:off x="3203564" y="2215367"/>
-            <a:ext cx="45719" cy="836468"/>
+            <a:off x="2402674" y="2518775"/>
+            <a:ext cx="34289" cy="627351"/>
           </a:xfrm>
           <a:prstGeom prst="rect">
             <a:avLst/>
@@ -3534,7 +4260,7 @@
           <a:lstStyle/>
           <a:p>
             <a:pPr algn="ctr"/>
-            <a:endParaRPr lang="en-US" dirty="0"/>
+            <a:endParaRPr lang="en-US" sz="1350" dirty="0"/>
           </a:p>
         </p:txBody>
       </p:sp>
@@ -3552,8 +4278,8 @@
         </p:nvSpPr>
         <p:spPr>
           <a:xfrm>
-            <a:off x="3010915" y="1883194"/>
-            <a:ext cx="6364457" cy="369332"/>
+            <a:off x="2258187" y="2269645"/>
+            <a:ext cx="4773343" cy="300082"/>
           </a:xfrm>
           <a:prstGeom prst="rect">
             <a:avLst/>
@@ -3567,74 +4293,74 @@
           <a:lstStyle/>
           <a:p>
             <a:r>
-              <a:rPr lang="en-US" altLang="zh-CN" dirty="0"/>
+              <a:rPr lang="en-US" altLang="zh-CN" sz="1350" dirty="0"/>
               <a:t>20</a:t>
             </a:r>
             <a:r>
-              <a:rPr lang="zh-CN" altLang="en-US" dirty="0"/>
+              <a:rPr lang="zh-CN" altLang="en-US" sz="1350" dirty="0"/>
               <a:t> </a:t>
             </a:r>
             <a:r>
-              <a:rPr lang="en-US" altLang="zh-CN" dirty="0"/>
+              <a:rPr lang="en-US" altLang="zh-CN" sz="1350" dirty="0"/>
               <a:t>M	</a:t>
             </a:r>
             <a:r>
-              <a:rPr lang="zh-CN" altLang="en-US" dirty="0"/>
+              <a:rPr lang="zh-CN" altLang="en-US" sz="1350" dirty="0"/>
               <a:t>   </a:t>
             </a:r>
             <a:r>
-              <a:rPr lang="en-US" altLang="zh-CN" dirty="0"/>
+              <a:rPr lang="en-US" altLang="zh-CN" sz="1350" dirty="0"/>
               <a:t>50</a:t>
             </a:r>
             <a:r>
-              <a:rPr lang="zh-CN" altLang="en-US" dirty="0"/>
+              <a:rPr lang="zh-CN" altLang="en-US" sz="1350" dirty="0"/>
               <a:t> </a:t>
             </a:r>
             <a:r>
-              <a:rPr lang="en-US" altLang="zh-CN" dirty="0"/>
+              <a:rPr lang="en-US" altLang="zh-CN" sz="1350" dirty="0"/>
               <a:t>M</a:t>
             </a:r>
             <a:r>
-              <a:rPr lang="zh-CN" altLang="en-US" dirty="0"/>
+              <a:rPr lang="zh-CN" altLang="en-US" sz="1350" dirty="0"/>
               <a:t>                 </a:t>
             </a:r>
             <a:r>
-              <a:rPr lang="en-US" altLang="zh-CN" dirty="0"/>
+              <a:rPr lang="en-US" altLang="zh-CN" sz="1350" dirty="0"/>
               <a:t>100</a:t>
             </a:r>
             <a:r>
-              <a:rPr lang="zh-CN" altLang="en-US" dirty="0"/>
+              <a:rPr lang="zh-CN" altLang="en-US" sz="1350" dirty="0"/>
               <a:t> </a:t>
             </a:r>
             <a:r>
-              <a:rPr lang="en-US" altLang="zh-CN" dirty="0"/>
+              <a:rPr lang="en-US" altLang="zh-CN" sz="1350" dirty="0"/>
               <a:t>M	</a:t>
             </a:r>
             <a:r>
-              <a:rPr lang="zh-CN" altLang="en-US" dirty="0"/>
+              <a:rPr lang="zh-CN" altLang="en-US" sz="1350" dirty="0"/>
               <a:t>     </a:t>
             </a:r>
             <a:r>
-              <a:rPr lang="en-US" altLang="zh-CN" dirty="0"/>
+              <a:rPr lang="en-US" altLang="zh-CN" sz="1350" dirty="0"/>
               <a:t>200</a:t>
             </a:r>
             <a:r>
-              <a:rPr lang="zh-CN" altLang="en-US" dirty="0"/>
+              <a:rPr lang="zh-CN" altLang="en-US" sz="1350" dirty="0"/>
               <a:t> </a:t>
             </a:r>
             <a:r>
-              <a:rPr lang="en-US" altLang="zh-CN" dirty="0"/>
+              <a:rPr lang="en-US" altLang="zh-CN" sz="1350" dirty="0"/>
               <a:t>M</a:t>
             </a:r>
             <a:r>
-              <a:rPr lang="zh-CN" altLang="en-US" dirty="0"/>
+              <a:rPr lang="zh-CN" altLang="en-US" sz="1350" dirty="0"/>
               <a:t>              </a:t>
             </a:r>
             <a:r>
-              <a:rPr lang="en-US" altLang="zh-CN" dirty="0"/>
+              <a:rPr lang="en-US" altLang="zh-CN" sz="1350" dirty="0"/>
               <a:t>1G</a:t>
             </a:r>
-            <a:endParaRPr lang="en-US" dirty="0"/>
+            <a:endParaRPr lang="en-US" sz="1350" dirty="0"/>
           </a:p>
         </p:txBody>
       </p:sp>
@@ -3652,8 +4378,8 @@
         </p:nvSpPr>
         <p:spPr>
           <a:xfrm>
-            <a:off x="7191962" y="2215367"/>
-            <a:ext cx="45719" cy="836468"/>
+            <a:off x="5393972" y="2518775"/>
+            <a:ext cx="34289" cy="627351"/>
           </a:xfrm>
           <a:prstGeom prst="rect">
             <a:avLst/>
@@ -3686,7 +4412,7 @@
           <a:lstStyle/>
           <a:p>
             <a:pPr algn="ctr"/>
-            <a:endParaRPr lang="en-US"/>
+            <a:endParaRPr lang="en-US" sz="1350"/>
           </a:p>
         </p:txBody>
       </p:sp>
@@ -3704,8 +4430,8 @@
         </p:nvSpPr>
         <p:spPr>
           <a:xfrm>
-            <a:off x="8514973" y="2215367"/>
-            <a:ext cx="45719" cy="836468"/>
+            <a:off x="6386230" y="2518775"/>
+            <a:ext cx="34289" cy="627351"/>
           </a:xfrm>
           <a:prstGeom prst="rect">
             <a:avLst/>
@@ -3738,7 +4464,7 @@
           <a:lstStyle/>
           <a:p>
             <a:pPr algn="ctr"/>
-            <a:endParaRPr lang="en-US"/>
+            <a:endParaRPr lang="en-US" sz="1350"/>
           </a:p>
         </p:txBody>
       </p:sp>
@@ -3756,8 +4482,8 @@
         </p:nvSpPr>
         <p:spPr>
           <a:xfrm>
-            <a:off x="2676817" y="3126971"/>
-            <a:ext cx="1053494" cy="646331"/>
+            <a:off x="1984129" y="3202479"/>
+            <a:ext cx="837089" cy="507831"/>
           </a:xfrm>
           <a:prstGeom prst="rect">
             <a:avLst/>
@@ -3772,16 +4498,16 @@
           <a:p>
             <a:pPr algn="ctr"/>
             <a:r>
-              <a:rPr lang="en-US" altLang="zh-CN" dirty="0"/>
+              <a:rPr lang="en-US" altLang="zh-CN" sz="1350" dirty="0"/>
               <a:t>Failed</a:t>
             </a:r>
           </a:p>
           <a:p>
             <a:r>
-              <a:rPr lang="en-US" altLang="zh-CN" dirty="0"/>
+              <a:rPr lang="en-US" altLang="zh-CN" sz="1350" dirty="0"/>
               <a:t>assembly</a:t>
             </a:r>
-            <a:endParaRPr lang="en-US" dirty="0"/>
+            <a:endParaRPr lang="en-US" sz="1350" dirty="0"/>
           </a:p>
         </p:txBody>
       </p:sp>
@@ -3799,8 +4525,8 @@
         </p:nvSpPr>
         <p:spPr>
           <a:xfrm>
-            <a:off x="3813816" y="3146054"/>
-            <a:ext cx="1186223" cy="369332"/>
+            <a:off x="2837663" y="3216790"/>
+            <a:ext cx="935064" cy="300082"/>
           </a:xfrm>
           <a:prstGeom prst="rect">
             <a:avLst/>
@@ -3815,15 +4541,15 @@
           <a:p>
             <a:pPr algn="ctr"/>
             <a:r>
-              <a:rPr lang="en-US" altLang="zh-CN" dirty="0"/>
+              <a:rPr lang="en-US" altLang="zh-CN" sz="1350" dirty="0"/>
               <a:t>50%</a:t>
             </a:r>
             <a:r>
-              <a:rPr lang="zh-CN" altLang="en-US" dirty="0"/>
+              <a:rPr lang="zh-CN" altLang="en-US" sz="1350" dirty="0"/>
               <a:t> </a:t>
             </a:r>
             <a:r>
-              <a:rPr lang="en-US" altLang="zh-CN" dirty="0"/>
+              <a:rPr lang="en-US" altLang="zh-CN" sz="1350" dirty="0"/>
               <a:t>genes</a:t>
             </a:r>
           </a:p>
@@ -3843,8 +4569,8 @@
         </p:nvSpPr>
         <p:spPr>
           <a:xfrm>
-            <a:off x="5058726" y="3138557"/>
-            <a:ext cx="1739515" cy="646331"/>
+            <a:off x="3770954" y="3211168"/>
+            <a:ext cx="1350819" cy="507831"/>
           </a:xfrm>
           <a:prstGeom prst="rect">
             <a:avLst/>
@@ -3859,38 +4585,38 @@
           <a:p>
             <a:pPr algn="ctr"/>
             <a:r>
-              <a:rPr lang="en-US" altLang="zh-CN" dirty="0"/>
+              <a:rPr lang="en-US" altLang="zh-CN" sz="1350" dirty="0"/>
               <a:t>Most</a:t>
             </a:r>
             <a:r>
-              <a:rPr lang="zh-CN" altLang="en-US" dirty="0"/>
+              <a:rPr lang="zh-CN" altLang="en-US" sz="1350" dirty="0"/>
               <a:t> </a:t>
             </a:r>
             <a:r>
-              <a:rPr lang="en-US" altLang="zh-CN" dirty="0"/>
+              <a:rPr lang="en-US" altLang="zh-CN" sz="1350" dirty="0"/>
               <a:t>genes</a:t>
             </a:r>
           </a:p>
           <a:p>
             <a:pPr algn="ctr"/>
             <a:r>
-              <a:rPr lang="en-US" altLang="zh-CN" dirty="0"/>
+              <a:rPr lang="en-US" altLang="zh-CN" sz="1350" dirty="0"/>
               <a:t>+</a:t>
             </a:r>
             <a:r>
-              <a:rPr lang="zh-CN" altLang="en-US" dirty="0"/>
+              <a:rPr lang="zh-CN" altLang="en-US" sz="1350" dirty="0"/>
               <a:t> </a:t>
             </a:r>
             <a:r>
-              <a:rPr lang="en-US" altLang="zh-CN" dirty="0"/>
+              <a:rPr lang="en-US" altLang="zh-CN" sz="1350" dirty="0"/>
               <a:t>50%</a:t>
             </a:r>
             <a:r>
-              <a:rPr lang="zh-CN" altLang="en-US" dirty="0"/>
+              <a:rPr lang="zh-CN" altLang="en-US" sz="1350" dirty="0"/>
               <a:t> </a:t>
             </a:r>
             <a:r>
-              <a:rPr lang="en-US" altLang="zh-CN" dirty="0"/>
+              <a:rPr lang="en-US" altLang="zh-CN" sz="1350" dirty="0"/>
               <a:t>intergenic</a:t>
             </a:r>
           </a:p>
@@ -3910,8 +4636,8 @@
         </p:nvSpPr>
         <p:spPr>
           <a:xfrm>
-            <a:off x="6828835" y="3096491"/>
-            <a:ext cx="1065483" cy="646331"/>
+            <a:off x="5098342" y="3179619"/>
+            <a:ext cx="845681" cy="507831"/>
           </a:xfrm>
           <a:prstGeom prst="rect">
             <a:avLst/>
@@ -3926,14 +4652,14 @@
           <a:p>
             <a:pPr algn="ctr"/>
             <a:r>
-              <a:rPr lang="en-US" altLang="zh-CN" dirty="0"/>
+              <a:rPr lang="en-US" altLang="zh-CN" sz="1350" dirty="0"/>
               <a:t>Nearly</a:t>
             </a:r>
           </a:p>
           <a:p>
             <a:pPr algn="ctr"/>
             <a:r>
-              <a:rPr lang="en-US" altLang="zh-CN" dirty="0"/>
+              <a:rPr lang="en-US" altLang="zh-CN" sz="1350" dirty="0"/>
               <a:t>complete</a:t>
             </a:r>
           </a:p>
@@ -3953,8 +4679,8 @@
         </p:nvSpPr>
         <p:spPr>
           <a:xfrm>
-            <a:off x="8064465" y="3096491"/>
-            <a:ext cx="901017" cy="369332"/>
+            <a:off x="6023470" y="3179618"/>
+            <a:ext cx="725520" cy="300082"/>
           </a:xfrm>
           <a:prstGeom prst="rect">
             <a:avLst/>
@@ -3969,7 +4695,7 @@
           <a:p>
             <a:pPr algn="ctr"/>
             <a:r>
-              <a:rPr lang="en-US" altLang="zh-CN" dirty="0"/>
+              <a:rPr lang="en-US" altLang="zh-CN" sz="1350" dirty="0"/>
               <a:t>Circular</a:t>
             </a:r>
           </a:p>
@@ -3991,7 +4717,7 @@
 <file path=ppt/theme/theme1.xml><?xml version="1.0" encoding="utf-8"?>
 <a:theme xmlns:a="http://schemas.openxmlformats.org/drawingml/2006/main" name="Office Theme">
   <a:themeElements>
-    <a:clrScheme name="Office">
+    <a:clrScheme name="Office Theme">
       <a:dk1>
         <a:sysClr val="windowText" lastClr="000000"/>
       </a:dk1>
@@ -4029,7 +4755,7 @@
         <a:srgbClr val="954F72"/>
       </a:folHlink>
     </a:clrScheme>
-    <a:fontScheme name="Office">
+    <a:fontScheme name="Office Theme">
       <a:majorFont>
         <a:latin typeface="Calibri Light" panose="020F0302020204030204"/>
         <a:ea typeface=""/>
@@ -4064,23 +4790,6 @@
         <a:font script="Viet" typeface="Times New Roman"/>
         <a:font script="Uigh" typeface="Microsoft Uighur"/>
         <a:font script="Geor" typeface="Sylfaen"/>
-        <a:font script="Armn" typeface="Arial"/>
-        <a:font script="Bugi" typeface="Leelawadee UI"/>
-        <a:font script="Bopo" typeface="Microsoft JhengHei"/>
-        <a:font script="Java" typeface="Javanese Text"/>
-        <a:font script="Lisu" typeface="Segoe UI"/>
-        <a:font script="Mymr" typeface="Myanmar Text"/>
-        <a:font script="Nkoo" typeface="Ebrima"/>
-        <a:font script="Olck" typeface="Nirmala UI"/>
-        <a:font script="Osma" typeface="Ebrima"/>
-        <a:font script="Phag" typeface="Phagspa"/>
-        <a:font script="Syrn" typeface="Estrangelo Edessa"/>
-        <a:font script="Syrj" typeface="Estrangelo Edessa"/>
-        <a:font script="Syre" typeface="Estrangelo Edessa"/>
-        <a:font script="Sora" typeface="Nirmala UI"/>
-        <a:font script="Tale" typeface="Microsoft Tai Le"/>
-        <a:font script="Talu" typeface="Microsoft New Tai Lue"/>
-        <a:font script="Tfng" typeface="Ebrima"/>
       </a:majorFont>
       <a:minorFont>
         <a:latin typeface="Calibri" panose="020F0502020204030204"/>
@@ -4116,26 +4825,9 @@
         <a:font script="Viet" typeface="Arial"/>
         <a:font script="Uigh" typeface="Microsoft Uighur"/>
         <a:font script="Geor" typeface="Sylfaen"/>
-        <a:font script="Armn" typeface="Arial"/>
-        <a:font script="Bugi" typeface="Leelawadee UI"/>
-        <a:font script="Bopo" typeface="Microsoft JhengHei"/>
-        <a:font script="Java" typeface="Javanese Text"/>
-        <a:font script="Lisu" typeface="Segoe UI"/>
-        <a:font script="Mymr" typeface="Myanmar Text"/>
-        <a:font script="Nkoo" typeface="Ebrima"/>
-        <a:font script="Olck" typeface="Nirmala UI"/>
-        <a:font script="Osma" typeface="Ebrima"/>
-        <a:font script="Phag" typeface="Phagspa"/>
-        <a:font script="Syrn" typeface="Estrangelo Edessa"/>
-        <a:font script="Syrj" typeface="Estrangelo Edessa"/>
-        <a:font script="Syre" typeface="Estrangelo Edessa"/>
-        <a:font script="Sora" typeface="Nirmala UI"/>
-        <a:font script="Tale" typeface="Microsoft Tai Le"/>
-        <a:font script="Talu" typeface="Microsoft New Tai Lue"/>
-        <a:font script="Tfng" typeface="Ebrima"/>
       </a:minorFont>
     </a:fontScheme>
-    <a:fmtScheme name="Office">
+    <a:fmtScheme name="Office Theme">
       <a:fillStyleLst>
         <a:solidFill>
           <a:schemeClr val="phClr"/>

--- a/PhyloHerb_botany2021.pptx
+++ b/PhyloHerb_botany2021.pptx
@@ -4,10 +4,14 @@
   <p:sldMasterIdLst>
     <p:sldMasterId id="2147483660" r:id="rId1"/>
   </p:sldMasterIdLst>
+  <p:notesMasterIdLst>
+    <p:notesMasterId r:id="rId6"/>
+  </p:notesMasterIdLst>
   <p:sldIdLst>
     <p:sldId id="258" r:id="rId2"/>
     <p:sldId id="259" r:id="rId3"/>
     <p:sldId id="256" r:id="rId4"/>
+    <p:sldId id="260" r:id="rId5"/>
   </p:sldIdLst>
   <p:sldSz cx="9144000" cy="6858000" type="screen4x3"/>
   <p:notesSz cx="6858000" cy="9144000"/>
@@ -112,6 +116,439 @@
     </p:ext>
   </p:extLst>
 </p:presentation>
+</file>
+
+<file path=ppt/notesMasters/notesMaster1.xml><?xml version="1.0" encoding="utf-8"?>
+<p:notesMaster xmlns:a="http://schemas.openxmlformats.org/drawingml/2006/main" xmlns:r="http://schemas.openxmlformats.org/officeDocument/2006/relationships" xmlns:p="http://schemas.openxmlformats.org/presentationml/2006/main">
+  <p:cSld>
+    <p:bg>
+      <p:bgRef idx="1001">
+        <a:schemeClr val="bg1"/>
+      </p:bgRef>
+    </p:bg>
+    <p:spTree>
+      <p:nvGrpSpPr>
+        <p:cNvPr id="1" name=""/>
+        <p:cNvGrpSpPr/>
+        <p:nvPr/>
+      </p:nvGrpSpPr>
+      <p:grpSpPr>
+        <a:xfrm>
+          <a:off x="0" y="0"/>
+          <a:ext cx="0" cy="0"/>
+          <a:chOff x="0" y="0"/>
+          <a:chExt cx="0" cy="0"/>
+        </a:xfrm>
+      </p:grpSpPr>
+      <p:sp>
+        <p:nvSpPr>
+          <p:cNvPr id="2" name="Header Placeholder 1"/>
+          <p:cNvSpPr>
+            <a:spLocks noGrp="1"/>
+          </p:cNvSpPr>
+          <p:nvPr>
+            <p:ph type="hdr" sz="quarter"/>
+          </p:nvPr>
+        </p:nvSpPr>
+        <p:spPr>
+          <a:xfrm>
+            <a:off x="0" y="0"/>
+            <a:ext cx="2971800" cy="458788"/>
+          </a:xfrm>
+          <a:prstGeom prst="rect">
+            <a:avLst/>
+          </a:prstGeom>
+        </p:spPr>
+        <p:txBody>
+          <a:bodyPr vert="horz" lIns="91440" tIns="45720" rIns="91440" bIns="45720" rtlCol="0"/>
+          <a:lstStyle>
+            <a:lvl1pPr algn="l">
+              <a:defRPr sz="1200"/>
+            </a:lvl1pPr>
+          </a:lstStyle>
+          <a:p>
+            <a:endParaRPr lang="en-US"/>
+          </a:p>
+        </p:txBody>
+      </p:sp>
+      <p:sp>
+        <p:nvSpPr>
+          <p:cNvPr id="3" name="Date Placeholder 2"/>
+          <p:cNvSpPr>
+            <a:spLocks noGrp="1"/>
+          </p:cNvSpPr>
+          <p:nvPr>
+            <p:ph type="dt" idx="1"/>
+          </p:nvPr>
+        </p:nvSpPr>
+        <p:spPr>
+          <a:xfrm>
+            <a:off x="3884613" y="0"/>
+            <a:ext cx="2971800" cy="458788"/>
+          </a:xfrm>
+          <a:prstGeom prst="rect">
+            <a:avLst/>
+          </a:prstGeom>
+        </p:spPr>
+        <p:txBody>
+          <a:bodyPr vert="horz" lIns="91440" tIns="45720" rIns="91440" bIns="45720" rtlCol="0"/>
+          <a:lstStyle>
+            <a:lvl1pPr algn="r">
+              <a:defRPr sz="1200"/>
+            </a:lvl1pPr>
+          </a:lstStyle>
+          <a:p>
+            <a:fld id="{E114B429-771B-4044-8B99-7E38825FABD4}" type="datetimeFigureOut">
+              <a:rPr lang="en-US" smtClean="0"/>
+              <a:t>6/9/21</a:t>
+            </a:fld>
+            <a:endParaRPr lang="en-US"/>
+          </a:p>
+        </p:txBody>
+      </p:sp>
+      <p:sp>
+        <p:nvSpPr>
+          <p:cNvPr id="4" name="Slide Image Placeholder 3"/>
+          <p:cNvSpPr>
+            <a:spLocks noGrp="1" noRot="1" noChangeAspect="1"/>
+          </p:cNvSpPr>
+          <p:nvPr>
+            <p:ph type="sldImg" idx="2"/>
+          </p:nvPr>
+        </p:nvSpPr>
+        <p:spPr>
+          <a:xfrm>
+            <a:off x="1371600" y="1143000"/>
+            <a:ext cx="4114800" cy="3086100"/>
+          </a:xfrm>
+          <a:prstGeom prst="rect">
+            <a:avLst/>
+          </a:prstGeom>
+          <a:noFill/>
+          <a:ln w="12700">
+            <a:solidFill>
+              <a:prstClr val="black"/>
+            </a:solidFill>
+          </a:ln>
+        </p:spPr>
+        <p:txBody>
+          <a:bodyPr vert="horz" lIns="91440" tIns="45720" rIns="91440" bIns="45720" rtlCol="0" anchor="ctr"/>
+          <a:lstStyle/>
+          <a:p>
+            <a:endParaRPr lang="en-US"/>
+          </a:p>
+        </p:txBody>
+      </p:sp>
+      <p:sp>
+        <p:nvSpPr>
+          <p:cNvPr id="5" name="Notes Placeholder 4"/>
+          <p:cNvSpPr>
+            <a:spLocks noGrp="1"/>
+          </p:cNvSpPr>
+          <p:nvPr>
+            <p:ph type="body" sz="quarter" idx="3"/>
+          </p:nvPr>
+        </p:nvSpPr>
+        <p:spPr>
+          <a:xfrm>
+            <a:off x="685800" y="4400550"/>
+            <a:ext cx="5486400" cy="3600450"/>
+          </a:xfrm>
+          <a:prstGeom prst="rect">
+            <a:avLst/>
+          </a:prstGeom>
+        </p:spPr>
+        <p:txBody>
+          <a:bodyPr vert="horz" lIns="91440" tIns="45720" rIns="91440" bIns="45720" rtlCol="0"/>
+          <a:lstStyle/>
+          <a:p>
+            <a:pPr lvl="0"/>
+            <a:r>
+              <a:rPr lang="en-US"/>
+              <a:t>Click to edit Master text styles</a:t>
+            </a:r>
+          </a:p>
+          <a:p>
+            <a:pPr lvl="1"/>
+            <a:r>
+              <a:rPr lang="en-US"/>
+              <a:t>Second level</a:t>
+            </a:r>
+          </a:p>
+          <a:p>
+            <a:pPr lvl="2"/>
+            <a:r>
+              <a:rPr lang="en-US"/>
+              <a:t>Third level</a:t>
+            </a:r>
+          </a:p>
+          <a:p>
+            <a:pPr lvl="3"/>
+            <a:r>
+              <a:rPr lang="en-US"/>
+              <a:t>Fourth level</a:t>
+            </a:r>
+          </a:p>
+          <a:p>
+            <a:pPr lvl="4"/>
+            <a:r>
+              <a:rPr lang="en-US"/>
+              <a:t>Fifth level</a:t>
+            </a:r>
+          </a:p>
+        </p:txBody>
+      </p:sp>
+      <p:sp>
+        <p:nvSpPr>
+          <p:cNvPr id="6" name="Footer Placeholder 5"/>
+          <p:cNvSpPr>
+            <a:spLocks noGrp="1"/>
+          </p:cNvSpPr>
+          <p:nvPr>
+            <p:ph type="ftr" sz="quarter" idx="4"/>
+          </p:nvPr>
+        </p:nvSpPr>
+        <p:spPr>
+          <a:xfrm>
+            <a:off x="0" y="8685213"/>
+            <a:ext cx="2971800" cy="458787"/>
+          </a:xfrm>
+          <a:prstGeom prst="rect">
+            <a:avLst/>
+          </a:prstGeom>
+        </p:spPr>
+        <p:txBody>
+          <a:bodyPr vert="horz" lIns="91440" tIns="45720" rIns="91440" bIns="45720" rtlCol="0" anchor="b"/>
+          <a:lstStyle>
+            <a:lvl1pPr algn="l">
+              <a:defRPr sz="1200"/>
+            </a:lvl1pPr>
+          </a:lstStyle>
+          <a:p>
+            <a:endParaRPr lang="en-US"/>
+          </a:p>
+        </p:txBody>
+      </p:sp>
+      <p:sp>
+        <p:nvSpPr>
+          <p:cNvPr id="7" name="Slide Number Placeholder 6"/>
+          <p:cNvSpPr>
+            <a:spLocks noGrp="1"/>
+          </p:cNvSpPr>
+          <p:nvPr>
+            <p:ph type="sldNum" sz="quarter" idx="5"/>
+          </p:nvPr>
+        </p:nvSpPr>
+        <p:spPr>
+          <a:xfrm>
+            <a:off x="3884613" y="8685213"/>
+            <a:ext cx="2971800" cy="458787"/>
+          </a:xfrm>
+          <a:prstGeom prst="rect">
+            <a:avLst/>
+          </a:prstGeom>
+        </p:spPr>
+        <p:txBody>
+          <a:bodyPr vert="horz" lIns="91440" tIns="45720" rIns="91440" bIns="45720" rtlCol="0" anchor="b"/>
+          <a:lstStyle>
+            <a:lvl1pPr algn="r">
+              <a:defRPr sz="1200"/>
+            </a:lvl1pPr>
+          </a:lstStyle>
+          <a:p>
+            <a:fld id="{0DB909DD-8B0C-0D44-B857-C079FE720398}" type="slidenum">
+              <a:rPr lang="en-US" smtClean="0"/>
+              <a:t>‹#›</a:t>
+            </a:fld>
+            <a:endParaRPr lang="en-US"/>
+          </a:p>
+        </p:txBody>
+      </p:sp>
+    </p:spTree>
+    <p:extLst>
+      <p:ext uri="{BB962C8B-B14F-4D97-AF65-F5344CB8AC3E}">
+        <p14:creationId xmlns:p14="http://schemas.microsoft.com/office/powerpoint/2010/main" val="1642603434"/>
+      </p:ext>
+    </p:extLst>
+  </p:cSld>
+  <p:clrMap bg1="lt1" tx1="dk1" bg2="lt2" tx2="dk2" accent1="accent1" accent2="accent2" accent3="accent3" accent4="accent4" accent5="accent5" accent6="accent6" hlink="hlink" folHlink="folHlink"/>
+  <p:notesStyle>
+    <a:lvl1pPr marL="0" algn="l" defTabSz="914400" rtl="0" eaLnBrk="1" latinLnBrk="0" hangingPunct="1">
+      <a:defRPr sz="1200" kern="1200">
+        <a:solidFill>
+          <a:schemeClr val="tx1"/>
+        </a:solidFill>
+        <a:latin typeface="+mn-lt"/>
+        <a:ea typeface="+mn-ea"/>
+        <a:cs typeface="+mn-cs"/>
+      </a:defRPr>
+    </a:lvl1pPr>
+    <a:lvl2pPr marL="457200" algn="l" defTabSz="914400" rtl="0" eaLnBrk="1" latinLnBrk="0" hangingPunct="1">
+      <a:defRPr sz="1200" kern="1200">
+        <a:solidFill>
+          <a:schemeClr val="tx1"/>
+        </a:solidFill>
+        <a:latin typeface="+mn-lt"/>
+        <a:ea typeface="+mn-ea"/>
+        <a:cs typeface="+mn-cs"/>
+      </a:defRPr>
+    </a:lvl2pPr>
+    <a:lvl3pPr marL="914400" algn="l" defTabSz="914400" rtl="0" eaLnBrk="1" latinLnBrk="0" hangingPunct="1">
+      <a:defRPr sz="1200" kern="1200">
+        <a:solidFill>
+          <a:schemeClr val="tx1"/>
+        </a:solidFill>
+        <a:latin typeface="+mn-lt"/>
+        <a:ea typeface="+mn-ea"/>
+        <a:cs typeface="+mn-cs"/>
+      </a:defRPr>
+    </a:lvl3pPr>
+    <a:lvl4pPr marL="1371600" algn="l" defTabSz="914400" rtl="0" eaLnBrk="1" latinLnBrk="0" hangingPunct="1">
+      <a:defRPr sz="1200" kern="1200">
+        <a:solidFill>
+          <a:schemeClr val="tx1"/>
+        </a:solidFill>
+        <a:latin typeface="+mn-lt"/>
+        <a:ea typeface="+mn-ea"/>
+        <a:cs typeface="+mn-cs"/>
+      </a:defRPr>
+    </a:lvl4pPr>
+    <a:lvl5pPr marL="1828800" algn="l" defTabSz="914400" rtl="0" eaLnBrk="1" latinLnBrk="0" hangingPunct="1">
+      <a:defRPr sz="1200" kern="1200">
+        <a:solidFill>
+          <a:schemeClr val="tx1"/>
+        </a:solidFill>
+        <a:latin typeface="+mn-lt"/>
+        <a:ea typeface="+mn-ea"/>
+        <a:cs typeface="+mn-cs"/>
+      </a:defRPr>
+    </a:lvl5pPr>
+    <a:lvl6pPr marL="2286000" algn="l" defTabSz="914400" rtl="0" eaLnBrk="1" latinLnBrk="0" hangingPunct="1">
+      <a:defRPr sz="1200" kern="1200">
+        <a:solidFill>
+          <a:schemeClr val="tx1"/>
+        </a:solidFill>
+        <a:latin typeface="+mn-lt"/>
+        <a:ea typeface="+mn-ea"/>
+        <a:cs typeface="+mn-cs"/>
+      </a:defRPr>
+    </a:lvl6pPr>
+    <a:lvl7pPr marL="2743200" algn="l" defTabSz="914400" rtl="0" eaLnBrk="1" latinLnBrk="0" hangingPunct="1">
+      <a:defRPr sz="1200" kern="1200">
+        <a:solidFill>
+          <a:schemeClr val="tx1"/>
+        </a:solidFill>
+        <a:latin typeface="+mn-lt"/>
+        <a:ea typeface="+mn-ea"/>
+        <a:cs typeface="+mn-cs"/>
+      </a:defRPr>
+    </a:lvl7pPr>
+    <a:lvl8pPr marL="3200400" algn="l" defTabSz="914400" rtl="0" eaLnBrk="1" latinLnBrk="0" hangingPunct="1">
+      <a:defRPr sz="1200" kern="1200">
+        <a:solidFill>
+          <a:schemeClr val="tx1"/>
+        </a:solidFill>
+        <a:latin typeface="+mn-lt"/>
+        <a:ea typeface="+mn-ea"/>
+        <a:cs typeface="+mn-cs"/>
+      </a:defRPr>
+    </a:lvl8pPr>
+    <a:lvl9pPr marL="3657600" algn="l" defTabSz="914400" rtl="0" eaLnBrk="1" latinLnBrk="0" hangingPunct="1">
+      <a:defRPr sz="1200" kern="1200">
+        <a:solidFill>
+          <a:schemeClr val="tx1"/>
+        </a:solidFill>
+        <a:latin typeface="+mn-lt"/>
+        <a:ea typeface="+mn-ea"/>
+        <a:cs typeface="+mn-cs"/>
+      </a:defRPr>
+    </a:lvl9pPr>
+  </p:notesStyle>
+</p:notesMaster>
+</file>
+
+<file path=ppt/notesSlides/notesSlide1.xml><?xml version="1.0" encoding="utf-8"?>
+<p:notes xmlns:a="http://schemas.openxmlformats.org/drawingml/2006/main" xmlns:r="http://schemas.openxmlformats.org/officeDocument/2006/relationships" xmlns:p="http://schemas.openxmlformats.org/presentationml/2006/main">
+  <p:cSld>
+    <p:spTree>
+      <p:nvGrpSpPr>
+        <p:cNvPr id="1" name=""/>
+        <p:cNvGrpSpPr/>
+        <p:nvPr/>
+      </p:nvGrpSpPr>
+      <p:grpSpPr>
+        <a:xfrm>
+          <a:off x="0" y="0"/>
+          <a:ext cx="0" cy="0"/>
+          <a:chOff x="0" y="0"/>
+          <a:chExt cx="0" cy="0"/>
+        </a:xfrm>
+      </p:grpSpPr>
+      <p:sp>
+        <p:nvSpPr>
+          <p:cNvPr id="2" name="Slide Image Placeholder 1"/>
+          <p:cNvSpPr>
+            <a:spLocks noGrp="1" noRot="1" noChangeAspect="1"/>
+          </p:cNvSpPr>
+          <p:nvPr>
+            <p:ph type="sldImg"/>
+          </p:nvPr>
+        </p:nvSpPr>
+        <p:spPr/>
+      </p:sp>
+      <p:sp>
+        <p:nvSpPr>
+          <p:cNvPr id="3" name="Notes Placeholder 2"/>
+          <p:cNvSpPr>
+            <a:spLocks noGrp="1"/>
+          </p:cNvSpPr>
+          <p:nvPr>
+            <p:ph type="body" idx="1"/>
+          </p:nvPr>
+        </p:nvSpPr>
+        <p:spPr/>
+        <p:txBody>
+          <a:bodyPr/>
+          <a:lstStyle/>
+          <a:p>
+            <a:endParaRPr lang="en-US" dirty="0"/>
+          </a:p>
+        </p:txBody>
+      </p:sp>
+      <p:sp>
+        <p:nvSpPr>
+          <p:cNvPr id="4" name="Slide Number Placeholder 3"/>
+          <p:cNvSpPr>
+            <a:spLocks noGrp="1"/>
+          </p:cNvSpPr>
+          <p:nvPr>
+            <p:ph type="sldNum" sz="quarter" idx="5"/>
+          </p:nvPr>
+        </p:nvSpPr>
+        <p:spPr/>
+        <p:txBody>
+          <a:bodyPr/>
+          <a:lstStyle/>
+          <a:p>
+            <a:fld id="{0DB909DD-8B0C-0D44-B857-C079FE720398}" type="slidenum">
+              <a:rPr lang="en-US" smtClean="0"/>
+              <a:t>1</a:t>
+            </a:fld>
+            <a:endParaRPr lang="en-US"/>
+          </a:p>
+        </p:txBody>
+      </p:sp>
+    </p:spTree>
+    <p:extLst>
+      <p:ext uri="{BB962C8B-B14F-4D97-AF65-F5344CB8AC3E}">
+        <p14:creationId xmlns:p14="http://schemas.microsoft.com/office/powerpoint/2010/main" val="3142059503"/>
+      </p:ext>
+    </p:extLst>
+  </p:cSld>
+  <p:clrMapOvr>
+    <a:masterClrMapping/>
+  </p:clrMapOvr>
+</p:notes>
 </file>
 
 <file path=ppt/slideLayouts/slideLayout1.xml><?xml version="1.0" encoding="utf-8"?>
@@ -3128,7 +3565,7 @@
             </a:r>
             <a:r>
               <a:rPr lang="en-US" sz="1600" dirty="0">
-                <a:hlinkClick r:id="rId2"/>
+                <a:hlinkClick r:id="rId3"/>
               </a:rPr>
               <a:t>daybreak.chua@gmail.com</a:t>
             </a:r>
@@ -3149,7 +3586,7 @@
             </a:r>
             <a:r>
               <a:rPr lang="en-US" sz="1600" dirty="0">
-                <a:hlinkClick r:id="rId3"/>
+                <a:hlinkClick r:id="rId4"/>
               </a:rPr>
               <a:t>zhanghr0429@gmail.com</a:t>
             </a:r>
@@ -3166,7 +3603,7 @@
             </a:r>
             <a:r>
               <a:rPr lang="en-US" sz="1600" dirty="0">
-                <a:hlinkClick r:id="rId4"/>
+                <a:hlinkClick r:id="rId5"/>
               </a:rPr>
               <a:t>cdavis@oeb.harvard.edu</a:t>
             </a:r>
@@ -3192,7 +3629,7 @@
           <p:nvPr/>
         </p:nvPicPr>
         <p:blipFill rotWithShape="1">
-          <a:blip r:embed="rId5">
+          <a:blip r:embed="rId6">
             <a:extLst>
               <a:ext uri="{28A0092B-C50C-407E-A947-70E740481C1C}">
                 <a14:useLocalDpi xmlns:a14="http://schemas.microsoft.com/office/drawing/2010/main" val="0"/>
@@ -3892,6 +4329,93 @@
           </a:p>
         </p:txBody>
       </p:sp>
+      <p:sp>
+        <p:nvSpPr>
+          <p:cNvPr id="4" name="TextBox 3">
+            <a:extLst>
+              <a:ext uri="{FF2B5EF4-FFF2-40B4-BE49-F238E27FC236}">
+                <a16:creationId xmlns:a16="http://schemas.microsoft.com/office/drawing/2014/main" id="{C315BEDF-2F04-8040-963F-464DC084528F}"/>
+              </a:ext>
+            </a:extLst>
+          </p:cNvPr>
+          <p:cNvSpPr txBox="1"/>
+          <p:nvPr/>
+        </p:nvSpPr>
+        <p:spPr>
+          <a:xfrm>
+            <a:off x="5758249" y="34449"/>
+            <a:ext cx="3385751" cy="523220"/>
+          </a:xfrm>
+          <a:prstGeom prst="rect">
+            <a:avLst/>
+          </a:prstGeom>
+          <a:noFill/>
+        </p:spPr>
+        <p:txBody>
+          <a:bodyPr wrap="square" rtlCol="0">
+            <a:spAutoFit/>
+          </a:bodyPr>
+          <a:lstStyle/>
+          <a:p>
+            <a:pPr algn="r"/>
+            <a:r>
+              <a:rPr lang="en-US" sz="1400" dirty="0"/>
+              <a:t>Images are subject to copy right Liming Cai (CC BY 4.0) unless otherwise noted</a:t>
+            </a:r>
+          </a:p>
+        </p:txBody>
+      </p:sp>
+      <p:sp>
+        <p:nvSpPr>
+          <p:cNvPr id="5" name="TextBox 4">
+            <a:extLst>
+              <a:ext uri="{FF2B5EF4-FFF2-40B4-BE49-F238E27FC236}">
+                <a16:creationId xmlns:a16="http://schemas.microsoft.com/office/drawing/2014/main" id="{7FDFD0ED-6FB3-0745-A40D-98917BC8C20C}"/>
+              </a:ext>
+            </a:extLst>
+          </p:cNvPr>
+          <p:cNvSpPr txBox="1"/>
+          <p:nvPr/>
+        </p:nvSpPr>
+        <p:spPr>
+          <a:xfrm>
+            <a:off x="6096373" y="6334780"/>
+            <a:ext cx="3056029" cy="523220"/>
+          </a:xfrm>
+          <a:prstGeom prst="rect">
+            <a:avLst/>
+          </a:prstGeom>
+          <a:noFill/>
+        </p:spPr>
+        <p:txBody>
+          <a:bodyPr wrap="none" rtlCol="0">
+            <a:spAutoFit/>
+          </a:bodyPr>
+          <a:lstStyle/>
+          <a:p>
+            <a:pPr algn="r"/>
+            <a:r>
+              <a:rPr lang="en-US" sz="1400" dirty="0"/>
+              <a:t>Left: </a:t>
+            </a:r>
+            <a:r>
+              <a:rPr lang="en-US" sz="1400" i="1" dirty="0"/>
+              <a:t>Bidens </a:t>
+            </a:r>
+            <a:r>
+              <a:rPr lang="en-US" sz="1400" i="1" dirty="0" err="1"/>
+              <a:t>chrysanthemoides</a:t>
+            </a:r>
+            <a:br>
+              <a:rPr lang="en-US" sz="1400" dirty="0"/>
+            </a:br>
+            <a:r>
+              <a:rPr lang="en-US" sz="1400" dirty="0"/>
+              <a:t>The Herbarium of Henry David Thoreau</a:t>
+            </a:r>
+          </a:p>
+        </p:txBody>
+      </p:sp>
     </p:spTree>
     <p:extLst>
       <p:ext uri="{BB962C8B-B14F-4D97-AF65-F5344CB8AC3E}">
@@ -4705,6 +5229,352 @@
     <p:extLst>
       <p:ext uri="{BB962C8B-B14F-4D97-AF65-F5344CB8AC3E}">
         <p14:creationId xmlns:p14="http://schemas.microsoft.com/office/powerpoint/2010/main" val="3100302468"/>
+      </p:ext>
+    </p:extLst>
+  </p:cSld>
+  <p:clrMapOvr>
+    <a:masterClrMapping/>
+  </p:clrMapOvr>
+</p:sld>
+</file>
+
+<file path=ppt/slides/slide4.xml><?xml version="1.0" encoding="utf-8"?>
+<p:sld xmlns:a="http://schemas.openxmlformats.org/drawingml/2006/main" xmlns:r="http://schemas.openxmlformats.org/officeDocument/2006/relationships" xmlns:p="http://schemas.openxmlformats.org/presentationml/2006/main">
+  <p:cSld>
+    <p:spTree>
+      <p:nvGrpSpPr>
+        <p:cNvPr id="1" name=""/>
+        <p:cNvGrpSpPr/>
+        <p:nvPr/>
+      </p:nvGrpSpPr>
+      <p:grpSpPr>
+        <a:xfrm>
+          <a:off x="0" y="0"/>
+          <a:ext cx="0" cy="0"/>
+          <a:chOff x="0" y="0"/>
+          <a:chExt cx="0" cy="0"/>
+        </a:xfrm>
+      </p:grpSpPr>
+      <p:sp>
+        <p:nvSpPr>
+          <p:cNvPr id="2" name="Title 1">
+            <a:extLst>
+              <a:ext uri="{FF2B5EF4-FFF2-40B4-BE49-F238E27FC236}">
+                <a16:creationId xmlns:a16="http://schemas.microsoft.com/office/drawing/2014/main" id="{825A2C2D-0B66-5043-8326-0F03D20BC447}"/>
+              </a:ext>
+            </a:extLst>
+          </p:cNvPr>
+          <p:cNvSpPr>
+            <a:spLocks noGrp="1"/>
+          </p:cNvSpPr>
+          <p:nvPr>
+            <p:ph type="title"/>
+          </p:nvPr>
+        </p:nvSpPr>
+        <p:spPr/>
+        <p:txBody>
+          <a:bodyPr/>
+          <a:lstStyle/>
+          <a:p>
+            <a:endParaRPr lang="en-US"/>
+          </a:p>
+        </p:txBody>
+      </p:sp>
+      <p:sp>
+        <p:nvSpPr>
+          <p:cNvPr id="3" name="Content Placeholder 2">
+            <a:extLst>
+              <a:ext uri="{FF2B5EF4-FFF2-40B4-BE49-F238E27FC236}">
+                <a16:creationId xmlns:a16="http://schemas.microsoft.com/office/drawing/2014/main" id="{79329BD7-1B26-B04C-A58C-5772E9A7FE36}"/>
+              </a:ext>
+            </a:extLst>
+          </p:cNvPr>
+          <p:cNvSpPr>
+            <a:spLocks noGrp="1"/>
+          </p:cNvSpPr>
+          <p:nvPr>
+            <p:ph idx="1"/>
+          </p:nvPr>
+        </p:nvSpPr>
+        <p:spPr/>
+        <p:txBody>
+          <a:bodyPr/>
+          <a:lstStyle/>
+          <a:p>
+            <a:endParaRPr lang="en-US" dirty="0"/>
+          </a:p>
+        </p:txBody>
+      </p:sp>
+      <p:sp>
+        <p:nvSpPr>
+          <p:cNvPr id="4" name="Rectangle 3">
+            <a:extLst>
+              <a:ext uri="{FF2B5EF4-FFF2-40B4-BE49-F238E27FC236}">
+                <a16:creationId xmlns:a16="http://schemas.microsoft.com/office/drawing/2014/main" id="{297A413D-C706-3141-9ED9-2AE9D3EDFA6E}"/>
+              </a:ext>
+            </a:extLst>
+          </p:cNvPr>
+          <p:cNvSpPr/>
+          <p:nvPr/>
+        </p:nvSpPr>
+        <p:spPr>
+          <a:xfrm>
+            <a:off x="628650" y="2384854"/>
+            <a:ext cx="2434281" cy="1260389"/>
+          </a:xfrm>
+          <a:prstGeom prst="rect">
+            <a:avLst/>
+          </a:prstGeom>
+        </p:spPr>
+        <p:style>
+          <a:lnRef idx="2">
+            <a:schemeClr val="accent1">
+              <a:shade val="50000"/>
+            </a:schemeClr>
+          </a:lnRef>
+          <a:fillRef idx="1">
+            <a:schemeClr val="accent1"/>
+          </a:fillRef>
+          <a:effectRef idx="0">
+            <a:schemeClr val="accent1"/>
+          </a:effectRef>
+          <a:fontRef idx="minor">
+            <a:schemeClr val="lt1"/>
+          </a:fontRef>
+        </p:style>
+        <p:txBody>
+          <a:bodyPr rtlCol="0" anchor="ctr"/>
+          <a:lstStyle/>
+          <a:p>
+            <a:pPr algn="ctr"/>
+            <a:endParaRPr lang="en-US"/>
+          </a:p>
+        </p:txBody>
+      </p:sp>
+      <p:sp>
+        <p:nvSpPr>
+          <p:cNvPr id="5" name="Rectangle 4">
+            <a:extLst>
+              <a:ext uri="{FF2B5EF4-FFF2-40B4-BE49-F238E27FC236}">
+                <a16:creationId xmlns:a16="http://schemas.microsoft.com/office/drawing/2014/main" id="{4D68A956-E04B-FB4A-A7E0-8D0023DCA751}"/>
+              </a:ext>
+            </a:extLst>
+          </p:cNvPr>
+          <p:cNvSpPr/>
+          <p:nvPr/>
+        </p:nvSpPr>
+        <p:spPr>
+          <a:xfrm>
+            <a:off x="3062931" y="2384854"/>
+            <a:ext cx="1804087" cy="1260389"/>
+          </a:xfrm>
+          <a:prstGeom prst="rect">
+            <a:avLst/>
+          </a:prstGeom>
+          <a:solidFill>
+            <a:schemeClr val="accent2"/>
+          </a:solidFill>
+        </p:spPr>
+        <p:style>
+          <a:lnRef idx="2">
+            <a:schemeClr val="accent1">
+              <a:shade val="50000"/>
+            </a:schemeClr>
+          </a:lnRef>
+          <a:fillRef idx="1">
+            <a:schemeClr val="accent1"/>
+          </a:fillRef>
+          <a:effectRef idx="0">
+            <a:schemeClr val="accent1"/>
+          </a:effectRef>
+          <a:fontRef idx="minor">
+            <a:schemeClr val="lt1"/>
+          </a:fontRef>
+        </p:style>
+        <p:txBody>
+          <a:bodyPr rtlCol="0" anchor="ctr"/>
+          <a:lstStyle/>
+          <a:p>
+            <a:pPr algn="ctr"/>
+            <a:endParaRPr lang="en-US"/>
+          </a:p>
+        </p:txBody>
+      </p:sp>
+      <p:sp>
+        <p:nvSpPr>
+          <p:cNvPr id="6" name="Rectangle 5">
+            <a:extLst>
+              <a:ext uri="{FF2B5EF4-FFF2-40B4-BE49-F238E27FC236}">
+                <a16:creationId xmlns:a16="http://schemas.microsoft.com/office/drawing/2014/main" id="{41A9FD0C-A688-9349-9CC3-5B94C9FB9254}"/>
+              </a:ext>
+            </a:extLst>
+          </p:cNvPr>
+          <p:cNvSpPr/>
+          <p:nvPr/>
+        </p:nvSpPr>
+        <p:spPr>
+          <a:xfrm>
+            <a:off x="4867018" y="2384854"/>
+            <a:ext cx="481913" cy="1260389"/>
+          </a:xfrm>
+          <a:prstGeom prst="rect">
+            <a:avLst/>
+          </a:prstGeom>
+          <a:solidFill>
+            <a:schemeClr val="accent6"/>
+          </a:solidFill>
+        </p:spPr>
+        <p:style>
+          <a:lnRef idx="2">
+            <a:schemeClr val="accent1">
+              <a:shade val="50000"/>
+            </a:schemeClr>
+          </a:lnRef>
+          <a:fillRef idx="1">
+            <a:schemeClr val="accent1"/>
+          </a:fillRef>
+          <a:effectRef idx="0">
+            <a:schemeClr val="accent1"/>
+          </a:effectRef>
+          <a:fontRef idx="minor">
+            <a:schemeClr val="lt1"/>
+          </a:fontRef>
+        </p:style>
+        <p:txBody>
+          <a:bodyPr rtlCol="0" anchor="ctr"/>
+          <a:lstStyle/>
+          <a:p>
+            <a:pPr algn="ctr"/>
+            <a:endParaRPr lang="en-US"/>
+          </a:p>
+        </p:txBody>
+      </p:sp>
+      <p:sp>
+        <p:nvSpPr>
+          <p:cNvPr id="7" name="Rectangle 6">
+            <a:extLst>
+              <a:ext uri="{FF2B5EF4-FFF2-40B4-BE49-F238E27FC236}">
+                <a16:creationId xmlns:a16="http://schemas.microsoft.com/office/drawing/2014/main" id="{7735381C-6D55-484B-9D2F-BA377EA381D0}"/>
+              </a:ext>
+            </a:extLst>
+          </p:cNvPr>
+          <p:cNvSpPr/>
+          <p:nvPr/>
+        </p:nvSpPr>
+        <p:spPr>
+          <a:xfrm>
+            <a:off x="5348931" y="2384853"/>
+            <a:ext cx="2842054" cy="1260389"/>
+          </a:xfrm>
+          <a:prstGeom prst="rect">
+            <a:avLst/>
+          </a:prstGeom>
+          <a:solidFill>
+            <a:schemeClr val="accent4"/>
+          </a:solidFill>
+        </p:spPr>
+        <p:style>
+          <a:lnRef idx="2">
+            <a:schemeClr val="accent1">
+              <a:shade val="50000"/>
+            </a:schemeClr>
+          </a:lnRef>
+          <a:fillRef idx="1">
+            <a:schemeClr val="accent1"/>
+          </a:fillRef>
+          <a:effectRef idx="0">
+            <a:schemeClr val="accent1"/>
+          </a:effectRef>
+          <a:fontRef idx="minor">
+            <a:schemeClr val="lt1"/>
+          </a:fontRef>
+        </p:style>
+        <p:txBody>
+          <a:bodyPr rtlCol="0" anchor="ctr"/>
+          <a:lstStyle/>
+          <a:p>
+            <a:pPr algn="ctr"/>
+            <a:endParaRPr lang="en-US"/>
+          </a:p>
+        </p:txBody>
+      </p:sp>
+      <p:sp>
+        <p:nvSpPr>
+          <p:cNvPr id="8" name="TextBox 7">
+            <a:extLst>
+              <a:ext uri="{FF2B5EF4-FFF2-40B4-BE49-F238E27FC236}">
+                <a16:creationId xmlns:a16="http://schemas.microsoft.com/office/drawing/2014/main" id="{7CCCACB8-6629-C24B-B914-4FAEDA9AEE9B}"/>
+              </a:ext>
+            </a:extLst>
+          </p:cNvPr>
+          <p:cNvSpPr txBox="1"/>
+          <p:nvPr/>
+        </p:nvSpPr>
+        <p:spPr>
+          <a:xfrm>
+            <a:off x="997379" y="3645242"/>
+            <a:ext cx="1583639" cy="646331"/>
+          </a:xfrm>
+          <a:prstGeom prst="rect">
+            <a:avLst/>
+          </a:prstGeom>
+          <a:noFill/>
+        </p:spPr>
+        <p:txBody>
+          <a:bodyPr wrap="none" rtlCol="0">
+            <a:spAutoFit/>
+          </a:bodyPr>
+          <a:lstStyle/>
+          <a:p>
+            <a:r>
+              <a:rPr lang="en-US" dirty="0"/>
+              <a:t>Data collection</a:t>
+            </a:r>
+          </a:p>
+          <a:p>
+            <a:endParaRPr lang="en-US" dirty="0"/>
+          </a:p>
+        </p:txBody>
+      </p:sp>
+      <p:sp>
+        <p:nvSpPr>
+          <p:cNvPr id="10" name="TextBox 9">
+            <a:extLst>
+              <a:ext uri="{FF2B5EF4-FFF2-40B4-BE49-F238E27FC236}">
+                <a16:creationId xmlns:a16="http://schemas.microsoft.com/office/drawing/2014/main" id="{E45490F7-9BCC-754F-A2EC-1994F4A4CD43}"/>
+              </a:ext>
+            </a:extLst>
+          </p:cNvPr>
+          <p:cNvSpPr txBox="1"/>
+          <p:nvPr/>
+        </p:nvSpPr>
+        <p:spPr>
+          <a:xfrm>
+            <a:off x="3062931" y="3645242"/>
+            <a:ext cx="1583639" cy="369332"/>
+          </a:xfrm>
+          <a:prstGeom prst="rect">
+            <a:avLst/>
+          </a:prstGeom>
+          <a:noFill/>
+        </p:spPr>
+        <p:txBody>
+          <a:bodyPr wrap="none" rtlCol="0">
+            <a:spAutoFit/>
+          </a:bodyPr>
+          <a:lstStyle/>
+          <a:p>
+            <a:r>
+              <a:rPr lang="en-US" dirty="0"/>
+              <a:t>Data collection</a:t>
+            </a:r>
+          </a:p>
+        </p:txBody>
+      </p:sp>
+    </p:spTree>
+    <p:extLst>
+      <p:ext uri="{BB962C8B-B14F-4D97-AF65-F5344CB8AC3E}">
+        <p14:creationId xmlns:p14="http://schemas.microsoft.com/office/powerpoint/2010/main" val="2693830111"/>
       </p:ext>
     </p:extLst>
   </p:cSld>
@@ -4973,4 +5843,299 @@
     </a:ext>
   </a:extLst>
 </a:theme>
+</file>
+
+<file path=ppt/theme/theme2.xml><?xml version="1.0" encoding="utf-8"?>
+<a:theme xmlns:a="http://schemas.openxmlformats.org/drawingml/2006/main" name="Office Theme">
+  <a:themeElements>
+    <a:clrScheme name="Office">
+      <a:dk1>
+        <a:sysClr val="windowText" lastClr="000000"/>
+      </a:dk1>
+      <a:lt1>
+        <a:sysClr val="window" lastClr="FFFFFF"/>
+      </a:lt1>
+      <a:dk2>
+        <a:srgbClr val="44546A"/>
+      </a:dk2>
+      <a:lt2>
+        <a:srgbClr val="E7E6E6"/>
+      </a:lt2>
+      <a:accent1>
+        <a:srgbClr val="4472C4"/>
+      </a:accent1>
+      <a:accent2>
+        <a:srgbClr val="ED7D31"/>
+      </a:accent2>
+      <a:accent3>
+        <a:srgbClr val="A5A5A5"/>
+      </a:accent3>
+      <a:accent4>
+        <a:srgbClr val="FFC000"/>
+      </a:accent4>
+      <a:accent5>
+        <a:srgbClr val="5B9BD5"/>
+      </a:accent5>
+      <a:accent6>
+        <a:srgbClr val="70AD47"/>
+      </a:accent6>
+      <a:hlink>
+        <a:srgbClr val="0563C1"/>
+      </a:hlink>
+      <a:folHlink>
+        <a:srgbClr val="954F72"/>
+      </a:folHlink>
+    </a:clrScheme>
+    <a:fontScheme name="Office">
+      <a:majorFont>
+        <a:latin typeface="Calibri Light" panose="020F0302020204030204"/>
+        <a:ea typeface=""/>
+        <a:cs typeface=""/>
+        <a:font script="Jpan" typeface="游ゴシック Light"/>
+        <a:font script="Hang" typeface="맑은 고딕"/>
+        <a:font script="Hans" typeface="等线 Light"/>
+        <a:font script="Hant" typeface="新細明體"/>
+        <a:font script="Arab" typeface="Times New Roman"/>
+        <a:font script="Hebr" typeface="Times New Roman"/>
+        <a:font script="Thai" typeface="Angsana New"/>
+        <a:font script="Ethi" typeface="Nyala"/>
+        <a:font script="Beng" typeface="Vrinda"/>
+        <a:font script="Gujr" typeface="Shruti"/>
+        <a:font script="Khmr" typeface="MoolBoran"/>
+        <a:font script="Knda" typeface="Tunga"/>
+        <a:font script="Guru" typeface="Raavi"/>
+        <a:font script="Cans" typeface="Euphemia"/>
+        <a:font script="Cher" typeface="Plantagenet Cherokee"/>
+        <a:font script="Yiii" typeface="Microsoft Yi Baiti"/>
+        <a:font script="Tibt" typeface="Microsoft Himalaya"/>
+        <a:font script="Thaa" typeface="MV Boli"/>
+        <a:font script="Deva" typeface="Mangal"/>
+        <a:font script="Telu" typeface="Gautami"/>
+        <a:font script="Taml" typeface="Latha"/>
+        <a:font script="Syrc" typeface="Estrangelo Edessa"/>
+        <a:font script="Orya" typeface="Kalinga"/>
+        <a:font script="Mlym" typeface="Kartika"/>
+        <a:font script="Laoo" typeface="DokChampa"/>
+        <a:font script="Sinh" typeface="Iskoola Pota"/>
+        <a:font script="Mong" typeface="Mongolian Baiti"/>
+        <a:font script="Viet" typeface="Times New Roman"/>
+        <a:font script="Uigh" typeface="Microsoft Uighur"/>
+        <a:font script="Geor" typeface="Sylfaen"/>
+        <a:font script="Armn" typeface="Arial"/>
+        <a:font script="Bugi" typeface="Leelawadee UI"/>
+        <a:font script="Bopo" typeface="Microsoft JhengHei"/>
+        <a:font script="Java" typeface="Javanese Text"/>
+        <a:font script="Lisu" typeface="Segoe UI"/>
+        <a:font script="Mymr" typeface="Myanmar Text"/>
+        <a:font script="Nkoo" typeface="Ebrima"/>
+        <a:font script="Olck" typeface="Nirmala UI"/>
+        <a:font script="Osma" typeface="Ebrima"/>
+        <a:font script="Phag" typeface="Phagspa"/>
+        <a:font script="Syrn" typeface="Estrangelo Edessa"/>
+        <a:font script="Syrj" typeface="Estrangelo Edessa"/>
+        <a:font script="Syre" typeface="Estrangelo Edessa"/>
+        <a:font script="Sora" typeface="Nirmala UI"/>
+        <a:font script="Tale" typeface="Microsoft Tai Le"/>
+        <a:font script="Talu" typeface="Microsoft New Tai Lue"/>
+        <a:font script="Tfng" typeface="Ebrima"/>
+      </a:majorFont>
+      <a:minorFont>
+        <a:latin typeface="Calibri" panose="020F0502020204030204"/>
+        <a:ea typeface=""/>
+        <a:cs typeface=""/>
+        <a:font script="Jpan" typeface="游ゴシック"/>
+        <a:font script="Hang" typeface="맑은 고딕"/>
+        <a:font script="Hans" typeface="等线"/>
+        <a:font script="Hant" typeface="新細明體"/>
+        <a:font script="Arab" typeface="Arial"/>
+        <a:font script="Hebr" typeface="Arial"/>
+        <a:font script="Thai" typeface="Cordia New"/>
+        <a:font script="Ethi" typeface="Nyala"/>
+        <a:font script="Beng" typeface="Vrinda"/>
+        <a:font script="Gujr" typeface="Shruti"/>
+        <a:font script="Khmr" typeface="DaunPenh"/>
+        <a:font script="Knda" typeface="Tunga"/>
+        <a:font script="Guru" typeface="Raavi"/>
+        <a:font script="Cans" typeface="Euphemia"/>
+        <a:font script="Cher" typeface="Plantagenet Cherokee"/>
+        <a:font script="Yiii" typeface="Microsoft Yi Baiti"/>
+        <a:font script="Tibt" typeface="Microsoft Himalaya"/>
+        <a:font script="Thaa" typeface="MV Boli"/>
+        <a:font script="Deva" typeface="Mangal"/>
+        <a:font script="Telu" typeface="Gautami"/>
+        <a:font script="Taml" typeface="Latha"/>
+        <a:font script="Syrc" typeface="Estrangelo Edessa"/>
+        <a:font script="Orya" typeface="Kalinga"/>
+        <a:font script="Mlym" typeface="Kartika"/>
+        <a:font script="Laoo" typeface="DokChampa"/>
+        <a:font script="Sinh" typeface="Iskoola Pota"/>
+        <a:font script="Mong" typeface="Mongolian Baiti"/>
+        <a:font script="Viet" typeface="Arial"/>
+        <a:font script="Uigh" typeface="Microsoft Uighur"/>
+        <a:font script="Geor" typeface="Sylfaen"/>
+        <a:font script="Armn" typeface="Arial"/>
+        <a:font script="Bugi" typeface="Leelawadee UI"/>
+        <a:font script="Bopo" typeface="Microsoft JhengHei"/>
+        <a:font script="Java" typeface="Javanese Text"/>
+        <a:font script="Lisu" typeface="Segoe UI"/>
+        <a:font script="Mymr" typeface="Myanmar Text"/>
+        <a:font script="Nkoo" typeface="Ebrima"/>
+        <a:font script="Olck" typeface="Nirmala UI"/>
+        <a:font script="Osma" typeface="Ebrima"/>
+        <a:font script="Phag" typeface="Phagspa"/>
+        <a:font script="Syrn" typeface="Estrangelo Edessa"/>
+        <a:font script="Syrj" typeface="Estrangelo Edessa"/>
+        <a:font script="Syre" typeface="Estrangelo Edessa"/>
+        <a:font script="Sora" typeface="Nirmala UI"/>
+        <a:font script="Tale" typeface="Microsoft Tai Le"/>
+        <a:font script="Talu" typeface="Microsoft New Tai Lue"/>
+        <a:font script="Tfng" typeface="Ebrima"/>
+      </a:minorFont>
+    </a:fontScheme>
+    <a:fmtScheme name="Office">
+      <a:fillStyleLst>
+        <a:solidFill>
+          <a:schemeClr val="phClr"/>
+        </a:solidFill>
+        <a:gradFill rotWithShape="1">
+          <a:gsLst>
+            <a:gs pos="0">
+              <a:schemeClr val="phClr">
+                <a:lumMod val="110000"/>
+                <a:satMod val="105000"/>
+                <a:tint val="67000"/>
+              </a:schemeClr>
+            </a:gs>
+            <a:gs pos="50000">
+              <a:schemeClr val="phClr">
+                <a:lumMod val="105000"/>
+                <a:satMod val="103000"/>
+                <a:tint val="73000"/>
+              </a:schemeClr>
+            </a:gs>
+            <a:gs pos="100000">
+              <a:schemeClr val="phClr">
+                <a:lumMod val="105000"/>
+                <a:satMod val="109000"/>
+                <a:tint val="81000"/>
+              </a:schemeClr>
+            </a:gs>
+          </a:gsLst>
+          <a:lin ang="5400000" scaled="0"/>
+        </a:gradFill>
+        <a:gradFill rotWithShape="1">
+          <a:gsLst>
+            <a:gs pos="0">
+              <a:schemeClr val="phClr">
+                <a:satMod val="103000"/>
+                <a:lumMod val="102000"/>
+                <a:tint val="94000"/>
+              </a:schemeClr>
+            </a:gs>
+            <a:gs pos="50000">
+              <a:schemeClr val="phClr">
+                <a:satMod val="110000"/>
+                <a:lumMod val="100000"/>
+                <a:shade val="100000"/>
+              </a:schemeClr>
+            </a:gs>
+            <a:gs pos="100000">
+              <a:schemeClr val="phClr">
+                <a:lumMod val="99000"/>
+                <a:satMod val="120000"/>
+                <a:shade val="78000"/>
+              </a:schemeClr>
+            </a:gs>
+          </a:gsLst>
+          <a:lin ang="5400000" scaled="0"/>
+        </a:gradFill>
+      </a:fillStyleLst>
+      <a:lnStyleLst>
+        <a:ln w="6350" cap="flat" cmpd="sng" algn="ctr">
+          <a:solidFill>
+            <a:schemeClr val="phClr"/>
+          </a:solidFill>
+          <a:prstDash val="solid"/>
+          <a:miter lim="800000"/>
+        </a:ln>
+        <a:ln w="12700" cap="flat" cmpd="sng" algn="ctr">
+          <a:solidFill>
+            <a:schemeClr val="phClr"/>
+          </a:solidFill>
+          <a:prstDash val="solid"/>
+          <a:miter lim="800000"/>
+        </a:ln>
+        <a:ln w="19050" cap="flat" cmpd="sng" algn="ctr">
+          <a:solidFill>
+            <a:schemeClr val="phClr"/>
+          </a:solidFill>
+          <a:prstDash val="solid"/>
+          <a:miter lim="800000"/>
+        </a:ln>
+      </a:lnStyleLst>
+      <a:effectStyleLst>
+        <a:effectStyle>
+          <a:effectLst/>
+        </a:effectStyle>
+        <a:effectStyle>
+          <a:effectLst/>
+        </a:effectStyle>
+        <a:effectStyle>
+          <a:effectLst>
+            <a:outerShdw blurRad="57150" dist="19050" dir="5400000" algn="ctr" rotWithShape="0">
+              <a:srgbClr val="000000">
+                <a:alpha val="63000"/>
+              </a:srgbClr>
+            </a:outerShdw>
+          </a:effectLst>
+        </a:effectStyle>
+      </a:effectStyleLst>
+      <a:bgFillStyleLst>
+        <a:solidFill>
+          <a:schemeClr val="phClr"/>
+        </a:solidFill>
+        <a:solidFill>
+          <a:schemeClr val="phClr">
+            <a:tint val="95000"/>
+            <a:satMod val="170000"/>
+          </a:schemeClr>
+        </a:solidFill>
+        <a:gradFill rotWithShape="1">
+          <a:gsLst>
+            <a:gs pos="0">
+              <a:schemeClr val="phClr">
+                <a:tint val="93000"/>
+                <a:satMod val="150000"/>
+                <a:shade val="98000"/>
+                <a:lumMod val="102000"/>
+              </a:schemeClr>
+            </a:gs>
+            <a:gs pos="50000">
+              <a:schemeClr val="phClr">
+                <a:tint val="98000"/>
+                <a:satMod val="130000"/>
+                <a:shade val="90000"/>
+                <a:lumMod val="103000"/>
+              </a:schemeClr>
+            </a:gs>
+            <a:gs pos="100000">
+              <a:schemeClr val="phClr">
+                <a:shade val="63000"/>
+                <a:satMod val="120000"/>
+              </a:schemeClr>
+            </a:gs>
+          </a:gsLst>
+          <a:lin ang="5400000" scaled="0"/>
+        </a:gradFill>
+      </a:bgFillStyleLst>
+    </a:fmtScheme>
+  </a:themeElements>
+  <a:objectDefaults/>
+  <a:extraClrSchemeLst/>
+  <a:extLst>
+    <a:ext uri="{05A4C25C-085E-4340-85A3-A5531E510DB2}">
+      <thm15:themeFamily xmlns:thm15="http://schemas.microsoft.com/office/thememl/2012/main" name="Office Theme" id="{62F939B6-93AF-4DB8-9C6B-D6C7DFDC589F}" vid="{4A3C46E8-61CC-4603-A589-7422A47A8E4A}"/>
+    </a:ext>
+  </a:extLst>
+</a:theme>
 </file>